--- a/assets/photos_ml/optimization/公式源文件.pptx
+++ b/assets/photos_ml/optimization/公式源文件.pptx
@@ -1,18 +1,18 @@
 
 <file path=ppt/presentation.xml><?xml version="1.0" encoding="utf-8"?>
-<p:presentation xmlns:a="http://schemas.openxmlformats.org/drawingml/2006/main" xmlns:r="http://schemas.openxmlformats.org/officeDocument/2006/relationships" xmlns:p="http://schemas.openxmlformats.org/presentationml/2006/main" saveSubsetFonts="1">
+<p:presentation xmlns:a="http://schemas.openxmlformats.org/drawingml/2006/main" xmlns:r="http://schemas.openxmlformats.org/officeDocument/2006/relationships" xmlns:p="http://schemas.openxmlformats.org/presentationml/2006/main">
   <p:sldMasterIdLst>
     <p:sldMasterId id="2147483648" r:id="rId1"/>
   </p:sldMasterIdLst>
   <p:sldIdLst>
-    <p:sldId id="257" r:id="rId2"/>
-    <p:sldId id="260" r:id="rId3"/>
-    <p:sldId id="259" r:id="rId4"/>
-    <p:sldId id="261" r:id="rId5"/>
-    <p:sldId id="262" r:id="rId6"/>
-    <p:sldId id="263" r:id="rId7"/>
-    <p:sldId id="264" r:id="rId8"/>
-    <p:sldId id="265" r:id="rId9"/>
+    <p:sldId id="257" r:id="rId3"/>
+    <p:sldId id="260" r:id="rId4"/>
+    <p:sldId id="259" r:id="rId5"/>
+    <p:sldId id="261" r:id="rId6"/>
+    <p:sldId id="262" r:id="rId7"/>
+    <p:sldId id="263" r:id="rId8"/>
+    <p:sldId id="264" r:id="rId9"/>
+    <p:sldId id="265" r:id="rId10"/>
   </p:sldIdLst>
   <p:sldSz cx="12192000" cy="6858000"/>
   <p:notesSz cx="6858000" cy="9144000"/>
@@ -111,11 +111,6 @@
       </a:defRPr>
     </a:lvl9pPr>
   </p:defaultTextStyle>
-  <p:extLst>
-    <p:ext uri="{EFAFB233-063F-42B5-8137-9DF3F51BA10A}">
-      <p15:sldGuideLst xmlns:p15="http://schemas.microsoft.com/office/powerpoint/2012/main"/>
-    </p:ext>
-  </p:extLst>
 </p:presentation>
 </file>
 
@@ -138,13 +133,7 @@
       </p:grpSpPr>
       <p:sp>
         <p:nvSpPr>
-          <p:cNvPr id="2" name="Title 1">
-            <a:extLst>
-              <a:ext uri="{FF2B5EF4-FFF2-40B4-BE49-F238E27FC236}">
-                <a16:creationId xmlns:a16="http://schemas.microsoft.com/office/drawing/2014/main" id="{F0A029B0-ED4F-B345-8698-EDC3EC1BCA5A}"/>
-              </a:ext>
-            </a:extLst>
-          </p:cNvPr>
+          <p:cNvPr id="2" name="Title 1"/>
           <p:cNvSpPr>
             <a:spLocks noGrp="1"/>
           </p:cNvSpPr>
@@ -170,18 +159,13 @@
               <a:rPr lang="en-US"/>
               <a:t>Click to edit Master title style</a:t>
             </a:r>
+            <a:endParaRPr lang="en-US"/>
           </a:p>
         </p:txBody>
       </p:sp>
       <p:sp>
         <p:nvSpPr>
-          <p:cNvPr id="3" name="Subtitle 2">
-            <a:extLst>
-              <a:ext uri="{FF2B5EF4-FFF2-40B4-BE49-F238E27FC236}">
-                <a16:creationId xmlns:a16="http://schemas.microsoft.com/office/drawing/2014/main" id="{D9D16794-86E9-224C-8FA6-6EF2CA82797A}"/>
-              </a:ext>
-            </a:extLst>
-          </p:cNvPr>
+          <p:cNvPr id="3" name="Subtitle 2"/>
           <p:cNvSpPr>
             <a:spLocks noGrp="1"/>
           </p:cNvSpPr>
@@ -240,18 +224,13 @@
               <a:rPr lang="en-US"/>
               <a:t>Click to edit Master subtitle style</a:t>
             </a:r>
+            <a:endParaRPr lang="en-US"/>
           </a:p>
         </p:txBody>
       </p:sp>
       <p:sp>
         <p:nvSpPr>
-          <p:cNvPr id="4" name="Date Placeholder 3">
-            <a:extLst>
-              <a:ext uri="{FF2B5EF4-FFF2-40B4-BE49-F238E27FC236}">
-                <a16:creationId xmlns:a16="http://schemas.microsoft.com/office/drawing/2014/main" id="{F0F4C10E-A890-8A4A-A742-56798EBD6AAB}"/>
-              </a:ext>
-            </a:extLst>
-          </p:cNvPr>
+          <p:cNvPr id="4" name="Date Placeholder 3"/>
           <p:cNvSpPr>
             <a:spLocks noGrp="1"/>
           </p:cNvSpPr>
@@ -266,7 +245,6 @@
           <a:p>
             <a:fld id="{CA313935-91DE-FC49-BDF5-EED629360A74}" type="datetimeFigureOut">
               <a:rPr lang="en-US" smtClean="0"/>
-              <a:t>1/8/20</a:t>
             </a:fld>
             <a:endParaRPr lang="en-US"/>
           </a:p>
@@ -274,13 +252,7 @@
       </p:sp>
       <p:sp>
         <p:nvSpPr>
-          <p:cNvPr id="5" name="Footer Placeholder 4">
-            <a:extLst>
-              <a:ext uri="{FF2B5EF4-FFF2-40B4-BE49-F238E27FC236}">
-                <a16:creationId xmlns:a16="http://schemas.microsoft.com/office/drawing/2014/main" id="{B56681EB-00BE-0B46-B496-B63BB0B2F015}"/>
-              </a:ext>
-            </a:extLst>
-          </p:cNvPr>
+          <p:cNvPr id="5" name="Footer Placeholder 4"/>
           <p:cNvSpPr>
             <a:spLocks noGrp="1"/>
           </p:cNvSpPr>
@@ -299,13 +271,7 @@
       </p:sp>
       <p:sp>
         <p:nvSpPr>
-          <p:cNvPr id="6" name="Slide Number Placeholder 5">
-            <a:extLst>
-              <a:ext uri="{FF2B5EF4-FFF2-40B4-BE49-F238E27FC236}">
-                <a16:creationId xmlns:a16="http://schemas.microsoft.com/office/drawing/2014/main" id="{9FFBDE3D-31A9-8642-9E7B-B81635C3122A}"/>
-              </a:ext>
-            </a:extLst>
-          </p:cNvPr>
+          <p:cNvPr id="6" name="Slide Number Placeholder 5"/>
           <p:cNvSpPr>
             <a:spLocks noGrp="1"/>
           </p:cNvSpPr>
@@ -320,18 +286,12 @@
           <a:p>
             <a:fld id="{6268CBA8-F01F-F24D-8DD4-960330DF3DDF}" type="slidenum">
               <a:rPr lang="en-US" smtClean="0"/>
-              <a:t>‹#›</a:t>
             </a:fld>
             <a:endParaRPr lang="en-US"/>
           </a:p>
         </p:txBody>
       </p:sp>
     </p:spTree>
-    <p:extLst>
-      <p:ext uri="{BB962C8B-B14F-4D97-AF65-F5344CB8AC3E}">
-        <p14:creationId xmlns:p14="http://schemas.microsoft.com/office/powerpoint/2010/main" val="1789469513"/>
-      </p:ext>
-    </p:extLst>
   </p:cSld>
   <p:clrMapOvr>
     <a:masterClrMapping/>
@@ -358,13 +318,7 @@
       </p:grpSpPr>
       <p:sp>
         <p:nvSpPr>
-          <p:cNvPr id="2" name="Title 1">
-            <a:extLst>
-              <a:ext uri="{FF2B5EF4-FFF2-40B4-BE49-F238E27FC236}">
-                <a16:creationId xmlns:a16="http://schemas.microsoft.com/office/drawing/2014/main" id="{7E60D457-66B0-DC46-8749-39356039013D}"/>
-              </a:ext>
-            </a:extLst>
-          </p:cNvPr>
+          <p:cNvPr id="2" name="Title 1"/>
           <p:cNvSpPr>
             <a:spLocks noGrp="1"/>
           </p:cNvSpPr>
@@ -381,18 +335,13 @@
               <a:rPr lang="en-US"/>
               <a:t>Click to edit Master title style</a:t>
             </a:r>
+            <a:endParaRPr lang="en-US"/>
           </a:p>
         </p:txBody>
       </p:sp>
       <p:sp>
         <p:nvSpPr>
-          <p:cNvPr id="3" name="Vertical Text Placeholder 2">
-            <a:extLst>
-              <a:ext uri="{FF2B5EF4-FFF2-40B4-BE49-F238E27FC236}">
-                <a16:creationId xmlns:a16="http://schemas.microsoft.com/office/drawing/2014/main" id="{20E3D8D0-214B-634F-BD2A-508E11235CCC}"/>
-              </a:ext>
-            </a:extLst>
-          </p:cNvPr>
+          <p:cNvPr id="3" name="Vertical Text Placeholder 2"/>
           <p:cNvSpPr>
             <a:spLocks noGrp="1"/>
           </p:cNvSpPr>
@@ -410,6 +359,7 @@
               <a:rPr lang="en-US"/>
               <a:t>Edit Master text styles</a:t>
             </a:r>
+            <a:endParaRPr lang="en-US"/>
           </a:p>
           <a:p>
             <a:pPr lvl="1"/>
@@ -417,6 +367,7 @@
               <a:rPr lang="en-US"/>
               <a:t>Second level</a:t>
             </a:r>
+            <a:endParaRPr lang="en-US"/>
           </a:p>
           <a:p>
             <a:pPr lvl="2"/>
@@ -424,6 +375,7 @@
               <a:rPr lang="en-US"/>
               <a:t>Third level</a:t>
             </a:r>
+            <a:endParaRPr lang="en-US"/>
           </a:p>
           <a:p>
             <a:pPr lvl="3"/>
@@ -431,6 +383,7 @@
               <a:rPr lang="en-US"/>
               <a:t>Fourth level</a:t>
             </a:r>
+            <a:endParaRPr lang="en-US"/>
           </a:p>
           <a:p>
             <a:pPr lvl="4"/>
@@ -438,18 +391,13 @@
               <a:rPr lang="en-US"/>
               <a:t>Fifth level</a:t>
             </a:r>
+            <a:endParaRPr lang="en-US"/>
           </a:p>
         </p:txBody>
       </p:sp>
       <p:sp>
         <p:nvSpPr>
-          <p:cNvPr id="4" name="Date Placeholder 3">
-            <a:extLst>
-              <a:ext uri="{FF2B5EF4-FFF2-40B4-BE49-F238E27FC236}">
-                <a16:creationId xmlns:a16="http://schemas.microsoft.com/office/drawing/2014/main" id="{82BEBE5C-992E-7140-9B6F-5D038840E2E5}"/>
-              </a:ext>
-            </a:extLst>
-          </p:cNvPr>
+          <p:cNvPr id="4" name="Date Placeholder 3"/>
           <p:cNvSpPr>
             <a:spLocks noGrp="1"/>
           </p:cNvSpPr>
@@ -464,7 +412,6 @@
           <a:p>
             <a:fld id="{CA313935-91DE-FC49-BDF5-EED629360A74}" type="datetimeFigureOut">
               <a:rPr lang="en-US" smtClean="0"/>
-              <a:t>1/8/20</a:t>
             </a:fld>
             <a:endParaRPr lang="en-US"/>
           </a:p>
@@ -472,13 +419,7 @@
       </p:sp>
       <p:sp>
         <p:nvSpPr>
-          <p:cNvPr id="5" name="Footer Placeholder 4">
-            <a:extLst>
-              <a:ext uri="{FF2B5EF4-FFF2-40B4-BE49-F238E27FC236}">
-                <a16:creationId xmlns:a16="http://schemas.microsoft.com/office/drawing/2014/main" id="{C4EC54E5-2AE6-D742-A8F3-0C0CC072BAB6}"/>
-              </a:ext>
-            </a:extLst>
-          </p:cNvPr>
+          <p:cNvPr id="5" name="Footer Placeholder 4"/>
           <p:cNvSpPr>
             <a:spLocks noGrp="1"/>
           </p:cNvSpPr>
@@ -497,13 +438,7 @@
       </p:sp>
       <p:sp>
         <p:nvSpPr>
-          <p:cNvPr id="6" name="Slide Number Placeholder 5">
-            <a:extLst>
-              <a:ext uri="{FF2B5EF4-FFF2-40B4-BE49-F238E27FC236}">
-                <a16:creationId xmlns:a16="http://schemas.microsoft.com/office/drawing/2014/main" id="{50C854D1-7A1C-B146-938E-D8D30A0ABA23}"/>
-              </a:ext>
-            </a:extLst>
-          </p:cNvPr>
+          <p:cNvPr id="6" name="Slide Number Placeholder 5"/>
           <p:cNvSpPr>
             <a:spLocks noGrp="1"/>
           </p:cNvSpPr>
@@ -518,18 +453,12 @@
           <a:p>
             <a:fld id="{6268CBA8-F01F-F24D-8DD4-960330DF3DDF}" type="slidenum">
               <a:rPr lang="en-US" smtClean="0"/>
-              <a:t>‹#›</a:t>
             </a:fld>
             <a:endParaRPr lang="en-US"/>
           </a:p>
         </p:txBody>
       </p:sp>
     </p:spTree>
-    <p:extLst>
-      <p:ext uri="{BB962C8B-B14F-4D97-AF65-F5344CB8AC3E}">
-        <p14:creationId xmlns:p14="http://schemas.microsoft.com/office/powerpoint/2010/main" val="3356108171"/>
-      </p:ext>
-    </p:extLst>
   </p:cSld>
   <p:clrMapOvr>
     <a:masterClrMapping/>
@@ -556,13 +485,7 @@
       </p:grpSpPr>
       <p:sp>
         <p:nvSpPr>
-          <p:cNvPr id="2" name="Vertical Title 1">
-            <a:extLst>
-              <a:ext uri="{FF2B5EF4-FFF2-40B4-BE49-F238E27FC236}">
-                <a16:creationId xmlns:a16="http://schemas.microsoft.com/office/drawing/2014/main" id="{73F68C15-3419-2648-85ED-16BA773D245C}"/>
-              </a:ext>
-            </a:extLst>
-          </p:cNvPr>
+          <p:cNvPr id="2" name="Vertical Title 1"/>
           <p:cNvSpPr>
             <a:spLocks noGrp="1"/>
           </p:cNvSpPr>
@@ -584,18 +507,13 @@
               <a:rPr lang="en-US"/>
               <a:t>Click to edit Master title style</a:t>
             </a:r>
+            <a:endParaRPr lang="en-US"/>
           </a:p>
         </p:txBody>
       </p:sp>
       <p:sp>
         <p:nvSpPr>
-          <p:cNvPr id="3" name="Vertical Text Placeholder 2">
-            <a:extLst>
-              <a:ext uri="{FF2B5EF4-FFF2-40B4-BE49-F238E27FC236}">
-                <a16:creationId xmlns:a16="http://schemas.microsoft.com/office/drawing/2014/main" id="{A2E53C55-7A13-B747-BC82-C8CAED3127F0}"/>
-              </a:ext>
-            </a:extLst>
-          </p:cNvPr>
+          <p:cNvPr id="3" name="Vertical Text Placeholder 2"/>
           <p:cNvSpPr>
             <a:spLocks noGrp="1"/>
           </p:cNvSpPr>
@@ -618,6 +536,7 @@
               <a:rPr lang="en-US"/>
               <a:t>Edit Master text styles</a:t>
             </a:r>
+            <a:endParaRPr lang="en-US"/>
           </a:p>
           <a:p>
             <a:pPr lvl="1"/>
@@ -625,6 +544,7 @@
               <a:rPr lang="en-US"/>
               <a:t>Second level</a:t>
             </a:r>
+            <a:endParaRPr lang="en-US"/>
           </a:p>
           <a:p>
             <a:pPr lvl="2"/>
@@ -632,6 +552,7 @@
               <a:rPr lang="en-US"/>
               <a:t>Third level</a:t>
             </a:r>
+            <a:endParaRPr lang="en-US"/>
           </a:p>
           <a:p>
             <a:pPr lvl="3"/>
@@ -639,6 +560,7 @@
               <a:rPr lang="en-US"/>
               <a:t>Fourth level</a:t>
             </a:r>
+            <a:endParaRPr lang="en-US"/>
           </a:p>
           <a:p>
             <a:pPr lvl="4"/>
@@ -646,18 +568,13 @@
               <a:rPr lang="en-US"/>
               <a:t>Fifth level</a:t>
             </a:r>
+            <a:endParaRPr lang="en-US"/>
           </a:p>
         </p:txBody>
       </p:sp>
       <p:sp>
         <p:nvSpPr>
-          <p:cNvPr id="4" name="Date Placeholder 3">
-            <a:extLst>
-              <a:ext uri="{FF2B5EF4-FFF2-40B4-BE49-F238E27FC236}">
-                <a16:creationId xmlns:a16="http://schemas.microsoft.com/office/drawing/2014/main" id="{CC1C16E6-18E7-B544-B442-1DB3B8FA7D95}"/>
-              </a:ext>
-            </a:extLst>
-          </p:cNvPr>
+          <p:cNvPr id="4" name="Date Placeholder 3"/>
           <p:cNvSpPr>
             <a:spLocks noGrp="1"/>
           </p:cNvSpPr>
@@ -672,7 +589,6 @@
           <a:p>
             <a:fld id="{CA313935-91DE-FC49-BDF5-EED629360A74}" type="datetimeFigureOut">
               <a:rPr lang="en-US" smtClean="0"/>
-              <a:t>1/8/20</a:t>
             </a:fld>
             <a:endParaRPr lang="en-US"/>
           </a:p>
@@ -680,13 +596,7 @@
       </p:sp>
       <p:sp>
         <p:nvSpPr>
-          <p:cNvPr id="5" name="Footer Placeholder 4">
-            <a:extLst>
-              <a:ext uri="{FF2B5EF4-FFF2-40B4-BE49-F238E27FC236}">
-                <a16:creationId xmlns:a16="http://schemas.microsoft.com/office/drawing/2014/main" id="{4F693E99-0F17-B74D-9F26-9F513B0ACD1A}"/>
-              </a:ext>
-            </a:extLst>
-          </p:cNvPr>
+          <p:cNvPr id="5" name="Footer Placeholder 4"/>
           <p:cNvSpPr>
             <a:spLocks noGrp="1"/>
           </p:cNvSpPr>
@@ -705,13 +615,7 @@
       </p:sp>
       <p:sp>
         <p:nvSpPr>
-          <p:cNvPr id="6" name="Slide Number Placeholder 5">
-            <a:extLst>
-              <a:ext uri="{FF2B5EF4-FFF2-40B4-BE49-F238E27FC236}">
-                <a16:creationId xmlns:a16="http://schemas.microsoft.com/office/drawing/2014/main" id="{E497839E-7D3F-924B-8FC0-45772EB55ABA}"/>
-              </a:ext>
-            </a:extLst>
-          </p:cNvPr>
+          <p:cNvPr id="6" name="Slide Number Placeholder 5"/>
           <p:cNvSpPr>
             <a:spLocks noGrp="1"/>
           </p:cNvSpPr>
@@ -726,18 +630,12 @@
           <a:p>
             <a:fld id="{6268CBA8-F01F-F24D-8DD4-960330DF3DDF}" type="slidenum">
               <a:rPr lang="en-US" smtClean="0"/>
-              <a:t>‹#›</a:t>
             </a:fld>
             <a:endParaRPr lang="en-US"/>
           </a:p>
         </p:txBody>
       </p:sp>
     </p:spTree>
-    <p:extLst>
-      <p:ext uri="{BB962C8B-B14F-4D97-AF65-F5344CB8AC3E}">
-        <p14:creationId xmlns:p14="http://schemas.microsoft.com/office/powerpoint/2010/main" val="1040092329"/>
-      </p:ext>
-    </p:extLst>
   </p:cSld>
   <p:clrMapOvr>
     <a:masterClrMapping/>
@@ -764,13 +662,7 @@
       </p:grpSpPr>
       <p:sp>
         <p:nvSpPr>
-          <p:cNvPr id="2" name="Title 1">
-            <a:extLst>
-              <a:ext uri="{FF2B5EF4-FFF2-40B4-BE49-F238E27FC236}">
-                <a16:creationId xmlns:a16="http://schemas.microsoft.com/office/drawing/2014/main" id="{2F60C70A-E9E3-6C4C-BEB3-CF75334F405E}"/>
-              </a:ext>
-            </a:extLst>
-          </p:cNvPr>
+          <p:cNvPr id="2" name="Title 1"/>
           <p:cNvSpPr>
             <a:spLocks noGrp="1"/>
           </p:cNvSpPr>
@@ -787,18 +679,13 @@
               <a:rPr lang="en-US"/>
               <a:t>Click to edit Master title style</a:t>
             </a:r>
+            <a:endParaRPr lang="en-US"/>
           </a:p>
         </p:txBody>
       </p:sp>
       <p:sp>
         <p:nvSpPr>
-          <p:cNvPr id="3" name="Content Placeholder 2">
-            <a:extLst>
-              <a:ext uri="{FF2B5EF4-FFF2-40B4-BE49-F238E27FC236}">
-                <a16:creationId xmlns:a16="http://schemas.microsoft.com/office/drawing/2014/main" id="{F3E40695-3798-3A4D-93DE-1824C7CFDC09}"/>
-              </a:ext>
-            </a:extLst>
-          </p:cNvPr>
+          <p:cNvPr id="3" name="Content Placeholder 2"/>
           <p:cNvSpPr>
             <a:spLocks noGrp="1"/>
           </p:cNvSpPr>
@@ -816,6 +703,7 @@
               <a:rPr lang="en-US"/>
               <a:t>Edit Master text styles</a:t>
             </a:r>
+            <a:endParaRPr lang="en-US"/>
           </a:p>
           <a:p>
             <a:pPr lvl="1"/>
@@ -823,6 +711,7 @@
               <a:rPr lang="en-US"/>
               <a:t>Second level</a:t>
             </a:r>
+            <a:endParaRPr lang="en-US"/>
           </a:p>
           <a:p>
             <a:pPr lvl="2"/>
@@ -830,6 +719,7 @@
               <a:rPr lang="en-US"/>
               <a:t>Third level</a:t>
             </a:r>
+            <a:endParaRPr lang="en-US"/>
           </a:p>
           <a:p>
             <a:pPr lvl="3"/>
@@ -837,6 +727,7 @@
               <a:rPr lang="en-US"/>
               <a:t>Fourth level</a:t>
             </a:r>
+            <a:endParaRPr lang="en-US"/>
           </a:p>
           <a:p>
             <a:pPr lvl="4"/>
@@ -844,18 +735,13 @@
               <a:rPr lang="en-US"/>
               <a:t>Fifth level</a:t>
             </a:r>
+            <a:endParaRPr lang="en-US"/>
           </a:p>
         </p:txBody>
       </p:sp>
       <p:sp>
         <p:nvSpPr>
-          <p:cNvPr id="4" name="Date Placeholder 3">
-            <a:extLst>
-              <a:ext uri="{FF2B5EF4-FFF2-40B4-BE49-F238E27FC236}">
-                <a16:creationId xmlns:a16="http://schemas.microsoft.com/office/drawing/2014/main" id="{BC4D6642-BECF-9B42-861A-46EAA5D64ED1}"/>
-              </a:ext>
-            </a:extLst>
-          </p:cNvPr>
+          <p:cNvPr id="4" name="Date Placeholder 3"/>
           <p:cNvSpPr>
             <a:spLocks noGrp="1"/>
           </p:cNvSpPr>
@@ -870,7 +756,6 @@
           <a:p>
             <a:fld id="{CA313935-91DE-FC49-BDF5-EED629360A74}" type="datetimeFigureOut">
               <a:rPr lang="en-US" smtClean="0"/>
-              <a:t>1/8/20</a:t>
             </a:fld>
             <a:endParaRPr lang="en-US"/>
           </a:p>
@@ -878,13 +763,7 @@
       </p:sp>
       <p:sp>
         <p:nvSpPr>
-          <p:cNvPr id="5" name="Footer Placeholder 4">
-            <a:extLst>
-              <a:ext uri="{FF2B5EF4-FFF2-40B4-BE49-F238E27FC236}">
-                <a16:creationId xmlns:a16="http://schemas.microsoft.com/office/drawing/2014/main" id="{0EA858BE-EFAD-114F-9B3C-AFB8E0DABF9A}"/>
-              </a:ext>
-            </a:extLst>
-          </p:cNvPr>
+          <p:cNvPr id="5" name="Footer Placeholder 4"/>
           <p:cNvSpPr>
             <a:spLocks noGrp="1"/>
           </p:cNvSpPr>
@@ -903,13 +782,7 @@
       </p:sp>
       <p:sp>
         <p:nvSpPr>
-          <p:cNvPr id="6" name="Slide Number Placeholder 5">
-            <a:extLst>
-              <a:ext uri="{FF2B5EF4-FFF2-40B4-BE49-F238E27FC236}">
-                <a16:creationId xmlns:a16="http://schemas.microsoft.com/office/drawing/2014/main" id="{2A58F762-DBF8-FD48-911D-F995E6CE760F}"/>
-              </a:ext>
-            </a:extLst>
-          </p:cNvPr>
+          <p:cNvPr id="6" name="Slide Number Placeholder 5"/>
           <p:cNvSpPr>
             <a:spLocks noGrp="1"/>
           </p:cNvSpPr>
@@ -924,18 +797,12 @@
           <a:p>
             <a:fld id="{6268CBA8-F01F-F24D-8DD4-960330DF3DDF}" type="slidenum">
               <a:rPr lang="en-US" smtClean="0"/>
-              <a:t>‹#›</a:t>
             </a:fld>
             <a:endParaRPr lang="en-US"/>
           </a:p>
         </p:txBody>
       </p:sp>
     </p:spTree>
-    <p:extLst>
-      <p:ext uri="{BB962C8B-B14F-4D97-AF65-F5344CB8AC3E}">
-        <p14:creationId xmlns:p14="http://schemas.microsoft.com/office/powerpoint/2010/main" val="3910358635"/>
-      </p:ext>
-    </p:extLst>
   </p:cSld>
   <p:clrMapOvr>
     <a:masterClrMapping/>
@@ -962,13 +829,7 @@
       </p:grpSpPr>
       <p:sp>
         <p:nvSpPr>
-          <p:cNvPr id="2" name="Title 1">
-            <a:extLst>
-              <a:ext uri="{FF2B5EF4-FFF2-40B4-BE49-F238E27FC236}">
-                <a16:creationId xmlns:a16="http://schemas.microsoft.com/office/drawing/2014/main" id="{E9114054-25E1-8244-A0A4-D764891D7E3E}"/>
-              </a:ext>
-            </a:extLst>
-          </p:cNvPr>
+          <p:cNvPr id="2" name="Title 1"/>
           <p:cNvSpPr>
             <a:spLocks noGrp="1"/>
           </p:cNvSpPr>
@@ -994,18 +855,13 @@
               <a:rPr lang="en-US"/>
               <a:t>Click to edit Master title style</a:t>
             </a:r>
+            <a:endParaRPr lang="en-US"/>
           </a:p>
         </p:txBody>
       </p:sp>
       <p:sp>
         <p:nvSpPr>
-          <p:cNvPr id="3" name="Text Placeholder 2">
-            <a:extLst>
-              <a:ext uri="{FF2B5EF4-FFF2-40B4-BE49-F238E27FC236}">
-                <a16:creationId xmlns:a16="http://schemas.microsoft.com/office/drawing/2014/main" id="{0791E5FE-03AE-F641-9CD5-00C8BA9B6742}"/>
-              </a:ext>
-            </a:extLst>
-          </p:cNvPr>
+          <p:cNvPr id="3" name="Text Placeholder 2"/>
           <p:cNvSpPr>
             <a:spLocks noGrp="1"/>
           </p:cNvSpPr>
@@ -1119,18 +975,13 @@
               <a:rPr lang="en-US"/>
               <a:t>Edit Master text styles</a:t>
             </a:r>
+            <a:endParaRPr lang="en-US"/>
           </a:p>
         </p:txBody>
       </p:sp>
       <p:sp>
         <p:nvSpPr>
-          <p:cNvPr id="4" name="Date Placeholder 3">
-            <a:extLst>
-              <a:ext uri="{FF2B5EF4-FFF2-40B4-BE49-F238E27FC236}">
-                <a16:creationId xmlns:a16="http://schemas.microsoft.com/office/drawing/2014/main" id="{DD2AF874-AA91-0F4A-BE8C-10D61C444C17}"/>
-              </a:ext>
-            </a:extLst>
-          </p:cNvPr>
+          <p:cNvPr id="4" name="Date Placeholder 3"/>
           <p:cNvSpPr>
             <a:spLocks noGrp="1"/>
           </p:cNvSpPr>
@@ -1145,7 +996,6 @@
           <a:p>
             <a:fld id="{CA313935-91DE-FC49-BDF5-EED629360A74}" type="datetimeFigureOut">
               <a:rPr lang="en-US" smtClean="0"/>
-              <a:t>1/8/20</a:t>
             </a:fld>
             <a:endParaRPr lang="en-US"/>
           </a:p>
@@ -1153,13 +1003,7 @@
       </p:sp>
       <p:sp>
         <p:nvSpPr>
-          <p:cNvPr id="5" name="Footer Placeholder 4">
-            <a:extLst>
-              <a:ext uri="{FF2B5EF4-FFF2-40B4-BE49-F238E27FC236}">
-                <a16:creationId xmlns:a16="http://schemas.microsoft.com/office/drawing/2014/main" id="{877D72B7-23D8-C342-891C-2342743837DB}"/>
-              </a:ext>
-            </a:extLst>
-          </p:cNvPr>
+          <p:cNvPr id="5" name="Footer Placeholder 4"/>
           <p:cNvSpPr>
             <a:spLocks noGrp="1"/>
           </p:cNvSpPr>
@@ -1178,13 +1022,7 @@
       </p:sp>
       <p:sp>
         <p:nvSpPr>
-          <p:cNvPr id="6" name="Slide Number Placeholder 5">
-            <a:extLst>
-              <a:ext uri="{FF2B5EF4-FFF2-40B4-BE49-F238E27FC236}">
-                <a16:creationId xmlns:a16="http://schemas.microsoft.com/office/drawing/2014/main" id="{6F023148-3296-894A-95DE-18BD427EA677}"/>
-              </a:ext>
-            </a:extLst>
-          </p:cNvPr>
+          <p:cNvPr id="6" name="Slide Number Placeholder 5"/>
           <p:cNvSpPr>
             <a:spLocks noGrp="1"/>
           </p:cNvSpPr>
@@ -1199,18 +1037,12 @@
           <a:p>
             <a:fld id="{6268CBA8-F01F-F24D-8DD4-960330DF3DDF}" type="slidenum">
               <a:rPr lang="en-US" smtClean="0"/>
-              <a:t>‹#›</a:t>
             </a:fld>
             <a:endParaRPr lang="en-US"/>
           </a:p>
         </p:txBody>
       </p:sp>
     </p:spTree>
-    <p:extLst>
-      <p:ext uri="{BB962C8B-B14F-4D97-AF65-F5344CB8AC3E}">
-        <p14:creationId xmlns:p14="http://schemas.microsoft.com/office/powerpoint/2010/main" val="809673580"/>
-      </p:ext>
-    </p:extLst>
   </p:cSld>
   <p:clrMapOvr>
     <a:masterClrMapping/>
@@ -1237,13 +1069,7 @@
       </p:grpSpPr>
       <p:sp>
         <p:nvSpPr>
-          <p:cNvPr id="2" name="Title 1">
-            <a:extLst>
-              <a:ext uri="{FF2B5EF4-FFF2-40B4-BE49-F238E27FC236}">
-                <a16:creationId xmlns:a16="http://schemas.microsoft.com/office/drawing/2014/main" id="{D01C6CF1-6944-C14C-BCD8-0AEC4AEFBA42}"/>
-              </a:ext>
-            </a:extLst>
-          </p:cNvPr>
+          <p:cNvPr id="2" name="Title 1"/>
           <p:cNvSpPr>
             <a:spLocks noGrp="1"/>
           </p:cNvSpPr>
@@ -1260,18 +1086,13 @@
               <a:rPr lang="en-US"/>
               <a:t>Click to edit Master title style</a:t>
             </a:r>
+            <a:endParaRPr lang="en-US"/>
           </a:p>
         </p:txBody>
       </p:sp>
       <p:sp>
         <p:nvSpPr>
-          <p:cNvPr id="3" name="Content Placeholder 2">
-            <a:extLst>
-              <a:ext uri="{FF2B5EF4-FFF2-40B4-BE49-F238E27FC236}">
-                <a16:creationId xmlns:a16="http://schemas.microsoft.com/office/drawing/2014/main" id="{B0D8EBA9-7243-D04A-BE3A-F39141D34F10}"/>
-              </a:ext>
-            </a:extLst>
-          </p:cNvPr>
+          <p:cNvPr id="3" name="Content Placeholder 2"/>
           <p:cNvSpPr>
             <a:spLocks noGrp="1"/>
           </p:cNvSpPr>
@@ -1294,6 +1115,7 @@
               <a:rPr lang="en-US"/>
               <a:t>Edit Master text styles</a:t>
             </a:r>
+            <a:endParaRPr lang="en-US"/>
           </a:p>
           <a:p>
             <a:pPr lvl="1"/>
@@ -1301,6 +1123,7 @@
               <a:rPr lang="en-US"/>
               <a:t>Second level</a:t>
             </a:r>
+            <a:endParaRPr lang="en-US"/>
           </a:p>
           <a:p>
             <a:pPr lvl="2"/>
@@ -1308,6 +1131,7 @@
               <a:rPr lang="en-US"/>
               <a:t>Third level</a:t>
             </a:r>
+            <a:endParaRPr lang="en-US"/>
           </a:p>
           <a:p>
             <a:pPr lvl="3"/>
@@ -1315,6 +1139,7 @@
               <a:rPr lang="en-US"/>
               <a:t>Fourth level</a:t>
             </a:r>
+            <a:endParaRPr lang="en-US"/>
           </a:p>
           <a:p>
             <a:pPr lvl="4"/>
@@ -1322,18 +1147,13 @@
               <a:rPr lang="en-US"/>
               <a:t>Fifth level</a:t>
             </a:r>
+            <a:endParaRPr lang="en-US"/>
           </a:p>
         </p:txBody>
       </p:sp>
       <p:sp>
         <p:nvSpPr>
-          <p:cNvPr id="4" name="Content Placeholder 3">
-            <a:extLst>
-              <a:ext uri="{FF2B5EF4-FFF2-40B4-BE49-F238E27FC236}">
-                <a16:creationId xmlns:a16="http://schemas.microsoft.com/office/drawing/2014/main" id="{A13D2349-93D6-E241-BF28-BAEA9D3DA970}"/>
-              </a:ext>
-            </a:extLst>
-          </p:cNvPr>
+          <p:cNvPr id="4" name="Content Placeholder 3"/>
           <p:cNvSpPr>
             <a:spLocks noGrp="1"/>
           </p:cNvSpPr>
@@ -1356,6 +1176,7 @@
               <a:rPr lang="en-US"/>
               <a:t>Edit Master text styles</a:t>
             </a:r>
+            <a:endParaRPr lang="en-US"/>
           </a:p>
           <a:p>
             <a:pPr lvl="1"/>
@@ -1363,6 +1184,7 @@
               <a:rPr lang="en-US"/>
               <a:t>Second level</a:t>
             </a:r>
+            <a:endParaRPr lang="en-US"/>
           </a:p>
           <a:p>
             <a:pPr lvl="2"/>
@@ -1370,6 +1192,7 @@
               <a:rPr lang="en-US"/>
               <a:t>Third level</a:t>
             </a:r>
+            <a:endParaRPr lang="en-US"/>
           </a:p>
           <a:p>
             <a:pPr lvl="3"/>
@@ -1377,6 +1200,7 @@
               <a:rPr lang="en-US"/>
               <a:t>Fourth level</a:t>
             </a:r>
+            <a:endParaRPr lang="en-US"/>
           </a:p>
           <a:p>
             <a:pPr lvl="4"/>
@@ -1384,18 +1208,13 @@
               <a:rPr lang="en-US"/>
               <a:t>Fifth level</a:t>
             </a:r>
+            <a:endParaRPr lang="en-US"/>
           </a:p>
         </p:txBody>
       </p:sp>
       <p:sp>
         <p:nvSpPr>
-          <p:cNvPr id="5" name="Date Placeholder 4">
-            <a:extLst>
-              <a:ext uri="{FF2B5EF4-FFF2-40B4-BE49-F238E27FC236}">
-                <a16:creationId xmlns:a16="http://schemas.microsoft.com/office/drawing/2014/main" id="{E4BD1153-D30C-7E41-B9E4-6F74E8951745}"/>
-              </a:ext>
-            </a:extLst>
-          </p:cNvPr>
+          <p:cNvPr id="5" name="Date Placeholder 4"/>
           <p:cNvSpPr>
             <a:spLocks noGrp="1"/>
           </p:cNvSpPr>
@@ -1410,7 +1229,6 @@
           <a:p>
             <a:fld id="{CA313935-91DE-FC49-BDF5-EED629360A74}" type="datetimeFigureOut">
               <a:rPr lang="en-US" smtClean="0"/>
-              <a:t>1/8/20</a:t>
             </a:fld>
             <a:endParaRPr lang="en-US"/>
           </a:p>
@@ -1418,13 +1236,7 @@
       </p:sp>
       <p:sp>
         <p:nvSpPr>
-          <p:cNvPr id="6" name="Footer Placeholder 5">
-            <a:extLst>
-              <a:ext uri="{FF2B5EF4-FFF2-40B4-BE49-F238E27FC236}">
-                <a16:creationId xmlns:a16="http://schemas.microsoft.com/office/drawing/2014/main" id="{75E5EABB-01A4-424E-AA87-B19F6F18CE77}"/>
-              </a:ext>
-            </a:extLst>
-          </p:cNvPr>
+          <p:cNvPr id="6" name="Footer Placeholder 5"/>
           <p:cNvSpPr>
             <a:spLocks noGrp="1"/>
           </p:cNvSpPr>
@@ -1443,13 +1255,7 @@
       </p:sp>
       <p:sp>
         <p:nvSpPr>
-          <p:cNvPr id="7" name="Slide Number Placeholder 6">
-            <a:extLst>
-              <a:ext uri="{FF2B5EF4-FFF2-40B4-BE49-F238E27FC236}">
-                <a16:creationId xmlns:a16="http://schemas.microsoft.com/office/drawing/2014/main" id="{0879BC1A-35DE-F449-B410-5173166FD61E}"/>
-              </a:ext>
-            </a:extLst>
-          </p:cNvPr>
+          <p:cNvPr id="7" name="Slide Number Placeholder 6"/>
           <p:cNvSpPr>
             <a:spLocks noGrp="1"/>
           </p:cNvSpPr>
@@ -1464,18 +1270,12 @@
           <a:p>
             <a:fld id="{6268CBA8-F01F-F24D-8DD4-960330DF3DDF}" type="slidenum">
               <a:rPr lang="en-US" smtClean="0"/>
-              <a:t>‹#›</a:t>
             </a:fld>
             <a:endParaRPr lang="en-US"/>
           </a:p>
         </p:txBody>
       </p:sp>
     </p:spTree>
-    <p:extLst>
-      <p:ext uri="{BB962C8B-B14F-4D97-AF65-F5344CB8AC3E}">
-        <p14:creationId xmlns:p14="http://schemas.microsoft.com/office/powerpoint/2010/main" val="1991309750"/>
-      </p:ext>
-    </p:extLst>
   </p:cSld>
   <p:clrMapOvr>
     <a:masterClrMapping/>
@@ -1502,13 +1302,7 @@
       </p:grpSpPr>
       <p:sp>
         <p:nvSpPr>
-          <p:cNvPr id="2" name="Title 1">
-            <a:extLst>
-              <a:ext uri="{FF2B5EF4-FFF2-40B4-BE49-F238E27FC236}">
-                <a16:creationId xmlns:a16="http://schemas.microsoft.com/office/drawing/2014/main" id="{FC74282F-A821-C243-B2B5-0407250D1373}"/>
-              </a:ext>
-            </a:extLst>
-          </p:cNvPr>
+          <p:cNvPr id="2" name="Title 1"/>
           <p:cNvSpPr>
             <a:spLocks noGrp="1"/>
           </p:cNvSpPr>
@@ -1530,18 +1324,13 @@
               <a:rPr lang="en-US"/>
               <a:t>Click to edit Master title style</a:t>
             </a:r>
+            <a:endParaRPr lang="en-US"/>
           </a:p>
         </p:txBody>
       </p:sp>
       <p:sp>
         <p:nvSpPr>
-          <p:cNvPr id="3" name="Text Placeholder 2">
-            <a:extLst>
-              <a:ext uri="{FF2B5EF4-FFF2-40B4-BE49-F238E27FC236}">
-                <a16:creationId xmlns:a16="http://schemas.microsoft.com/office/drawing/2014/main" id="{C343BB14-5B6E-3940-8654-C2FA226E5326}"/>
-              </a:ext>
-            </a:extLst>
-          </p:cNvPr>
+          <p:cNvPr id="3" name="Text Placeholder 2"/>
           <p:cNvSpPr>
             <a:spLocks noGrp="1"/>
           </p:cNvSpPr>
@@ -1601,18 +1390,13 @@
               <a:rPr lang="en-US"/>
               <a:t>Edit Master text styles</a:t>
             </a:r>
+            <a:endParaRPr lang="en-US"/>
           </a:p>
         </p:txBody>
       </p:sp>
       <p:sp>
         <p:nvSpPr>
-          <p:cNvPr id="4" name="Content Placeholder 3">
-            <a:extLst>
-              <a:ext uri="{FF2B5EF4-FFF2-40B4-BE49-F238E27FC236}">
-                <a16:creationId xmlns:a16="http://schemas.microsoft.com/office/drawing/2014/main" id="{62A73CCB-05F8-E74D-BDAB-A5776FD8F9A9}"/>
-              </a:ext>
-            </a:extLst>
-          </p:cNvPr>
+          <p:cNvPr id="4" name="Content Placeholder 3"/>
           <p:cNvSpPr>
             <a:spLocks noGrp="1"/>
           </p:cNvSpPr>
@@ -1635,6 +1419,7 @@
               <a:rPr lang="en-US"/>
               <a:t>Edit Master text styles</a:t>
             </a:r>
+            <a:endParaRPr lang="en-US"/>
           </a:p>
           <a:p>
             <a:pPr lvl="1"/>
@@ -1642,6 +1427,7 @@
               <a:rPr lang="en-US"/>
               <a:t>Second level</a:t>
             </a:r>
+            <a:endParaRPr lang="en-US"/>
           </a:p>
           <a:p>
             <a:pPr lvl="2"/>
@@ -1649,6 +1435,7 @@
               <a:rPr lang="en-US"/>
               <a:t>Third level</a:t>
             </a:r>
+            <a:endParaRPr lang="en-US"/>
           </a:p>
           <a:p>
             <a:pPr lvl="3"/>
@@ -1656,6 +1443,7 @@
               <a:rPr lang="en-US"/>
               <a:t>Fourth level</a:t>
             </a:r>
+            <a:endParaRPr lang="en-US"/>
           </a:p>
           <a:p>
             <a:pPr lvl="4"/>
@@ -1663,18 +1451,13 @@
               <a:rPr lang="en-US"/>
               <a:t>Fifth level</a:t>
             </a:r>
+            <a:endParaRPr lang="en-US"/>
           </a:p>
         </p:txBody>
       </p:sp>
       <p:sp>
         <p:nvSpPr>
-          <p:cNvPr id="5" name="Text Placeholder 4">
-            <a:extLst>
-              <a:ext uri="{FF2B5EF4-FFF2-40B4-BE49-F238E27FC236}">
-                <a16:creationId xmlns:a16="http://schemas.microsoft.com/office/drawing/2014/main" id="{75CE522F-047F-464F-A568-F6A254934C08}"/>
-              </a:ext>
-            </a:extLst>
-          </p:cNvPr>
+          <p:cNvPr id="5" name="Text Placeholder 4"/>
           <p:cNvSpPr>
             <a:spLocks noGrp="1"/>
           </p:cNvSpPr>
@@ -1734,18 +1517,13 @@
               <a:rPr lang="en-US"/>
               <a:t>Edit Master text styles</a:t>
             </a:r>
+            <a:endParaRPr lang="en-US"/>
           </a:p>
         </p:txBody>
       </p:sp>
       <p:sp>
         <p:nvSpPr>
-          <p:cNvPr id="6" name="Content Placeholder 5">
-            <a:extLst>
-              <a:ext uri="{FF2B5EF4-FFF2-40B4-BE49-F238E27FC236}">
-                <a16:creationId xmlns:a16="http://schemas.microsoft.com/office/drawing/2014/main" id="{06DCA854-528F-A441-8C92-C3A3AC4DB3FB}"/>
-              </a:ext>
-            </a:extLst>
-          </p:cNvPr>
+          <p:cNvPr id="6" name="Content Placeholder 5"/>
           <p:cNvSpPr>
             <a:spLocks noGrp="1"/>
           </p:cNvSpPr>
@@ -1768,6 +1546,7 @@
               <a:rPr lang="en-US"/>
               <a:t>Edit Master text styles</a:t>
             </a:r>
+            <a:endParaRPr lang="en-US"/>
           </a:p>
           <a:p>
             <a:pPr lvl="1"/>
@@ -1775,6 +1554,7 @@
               <a:rPr lang="en-US"/>
               <a:t>Second level</a:t>
             </a:r>
+            <a:endParaRPr lang="en-US"/>
           </a:p>
           <a:p>
             <a:pPr lvl="2"/>
@@ -1782,6 +1562,7 @@
               <a:rPr lang="en-US"/>
               <a:t>Third level</a:t>
             </a:r>
+            <a:endParaRPr lang="en-US"/>
           </a:p>
           <a:p>
             <a:pPr lvl="3"/>
@@ -1789,6 +1570,7 @@
               <a:rPr lang="en-US"/>
               <a:t>Fourth level</a:t>
             </a:r>
+            <a:endParaRPr lang="en-US"/>
           </a:p>
           <a:p>
             <a:pPr lvl="4"/>
@@ -1796,18 +1578,13 @@
               <a:rPr lang="en-US"/>
               <a:t>Fifth level</a:t>
             </a:r>
+            <a:endParaRPr lang="en-US"/>
           </a:p>
         </p:txBody>
       </p:sp>
       <p:sp>
         <p:nvSpPr>
-          <p:cNvPr id="7" name="Date Placeholder 6">
-            <a:extLst>
-              <a:ext uri="{FF2B5EF4-FFF2-40B4-BE49-F238E27FC236}">
-                <a16:creationId xmlns:a16="http://schemas.microsoft.com/office/drawing/2014/main" id="{138F7400-99C1-EE45-975A-3DC4E28E97DE}"/>
-              </a:ext>
-            </a:extLst>
-          </p:cNvPr>
+          <p:cNvPr id="7" name="Date Placeholder 6"/>
           <p:cNvSpPr>
             <a:spLocks noGrp="1"/>
           </p:cNvSpPr>
@@ -1822,7 +1599,6 @@
           <a:p>
             <a:fld id="{CA313935-91DE-FC49-BDF5-EED629360A74}" type="datetimeFigureOut">
               <a:rPr lang="en-US" smtClean="0"/>
-              <a:t>1/8/20</a:t>
             </a:fld>
             <a:endParaRPr lang="en-US"/>
           </a:p>
@@ -1830,13 +1606,7 @@
       </p:sp>
       <p:sp>
         <p:nvSpPr>
-          <p:cNvPr id="8" name="Footer Placeholder 7">
-            <a:extLst>
-              <a:ext uri="{FF2B5EF4-FFF2-40B4-BE49-F238E27FC236}">
-                <a16:creationId xmlns:a16="http://schemas.microsoft.com/office/drawing/2014/main" id="{D6DD3A9C-092B-1346-BC75-39D1677BA93B}"/>
-              </a:ext>
-            </a:extLst>
-          </p:cNvPr>
+          <p:cNvPr id="8" name="Footer Placeholder 7"/>
           <p:cNvSpPr>
             <a:spLocks noGrp="1"/>
           </p:cNvSpPr>
@@ -1855,13 +1625,7 @@
       </p:sp>
       <p:sp>
         <p:nvSpPr>
-          <p:cNvPr id="9" name="Slide Number Placeholder 8">
-            <a:extLst>
-              <a:ext uri="{FF2B5EF4-FFF2-40B4-BE49-F238E27FC236}">
-                <a16:creationId xmlns:a16="http://schemas.microsoft.com/office/drawing/2014/main" id="{D41BDE78-D40A-F540-8BCA-084A1F26A36F}"/>
-              </a:ext>
-            </a:extLst>
-          </p:cNvPr>
+          <p:cNvPr id="9" name="Slide Number Placeholder 8"/>
           <p:cNvSpPr>
             <a:spLocks noGrp="1"/>
           </p:cNvSpPr>
@@ -1876,18 +1640,12 @@
           <a:p>
             <a:fld id="{6268CBA8-F01F-F24D-8DD4-960330DF3DDF}" type="slidenum">
               <a:rPr lang="en-US" smtClean="0"/>
-              <a:t>‹#›</a:t>
             </a:fld>
             <a:endParaRPr lang="en-US"/>
           </a:p>
         </p:txBody>
       </p:sp>
     </p:spTree>
-    <p:extLst>
-      <p:ext uri="{BB962C8B-B14F-4D97-AF65-F5344CB8AC3E}">
-        <p14:creationId xmlns:p14="http://schemas.microsoft.com/office/powerpoint/2010/main" val="1713725054"/>
-      </p:ext>
-    </p:extLst>
   </p:cSld>
   <p:clrMapOvr>
     <a:masterClrMapping/>
@@ -1914,13 +1672,7 @@
       </p:grpSpPr>
       <p:sp>
         <p:nvSpPr>
-          <p:cNvPr id="2" name="Title 1">
-            <a:extLst>
-              <a:ext uri="{FF2B5EF4-FFF2-40B4-BE49-F238E27FC236}">
-                <a16:creationId xmlns:a16="http://schemas.microsoft.com/office/drawing/2014/main" id="{71A990EC-14E7-104D-911D-78D1577219AF}"/>
-              </a:ext>
-            </a:extLst>
-          </p:cNvPr>
+          <p:cNvPr id="2" name="Title 1"/>
           <p:cNvSpPr>
             <a:spLocks noGrp="1"/>
           </p:cNvSpPr>
@@ -1937,18 +1689,13 @@
               <a:rPr lang="en-US"/>
               <a:t>Click to edit Master title style</a:t>
             </a:r>
+            <a:endParaRPr lang="en-US"/>
           </a:p>
         </p:txBody>
       </p:sp>
       <p:sp>
         <p:nvSpPr>
-          <p:cNvPr id="3" name="Date Placeholder 2">
-            <a:extLst>
-              <a:ext uri="{FF2B5EF4-FFF2-40B4-BE49-F238E27FC236}">
-                <a16:creationId xmlns:a16="http://schemas.microsoft.com/office/drawing/2014/main" id="{BF9CE7A4-388C-FF4F-8824-FBEF0F6CBEA5}"/>
-              </a:ext>
-            </a:extLst>
-          </p:cNvPr>
+          <p:cNvPr id="3" name="Date Placeholder 2"/>
           <p:cNvSpPr>
             <a:spLocks noGrp="1"/>
           </p:cNvSpPr>
@@ -1963,7 +1710,6 @@
           <a:p>
             <a:fld id="{CA313935-91DE-FC49-BDF5-EED629360A74}" type="datetimeFigureOut">
               <a:rPr lang="en-US" smtClean="0"/>
-              <a:t>1/8/20</a:t>
             </a:fld>
             <a:endParaRPr lang="en-US"/>
           </a:p>
@@ -1971,13 +1717,7 @@
       </p:sp>
       <p:sp>
         <p:nvSpPr>
-          <p:cNvPr id="4" name="Footer Placeholder 3">
-            <a:extLst>
-              <a:ext uri="{FF2B5EF4-FFF2-40B4-BE49-F238E27FC236}">
-                <a16:creationId xmlns:a16="http://schemas.microsoft.com/office/drawing/2014/main" id="{DF943618-1F1D-4647-9E71-0A50C5A60D5F}"/>
-              </a:ext>
-            </a:extLst>
-          </p:cNvPr>
+          <p:cNvPr id="4" name="Footer Placeholder 3"/>
           <p:cNvSpPr>
             <a:spLocks noGrp="1"/>
           </p:cNvSpPr>
@@ -1996,13 +1736,7 @@
       </p:sp>
       <p:sp>
         <p:nvSpPr>
-          <p:cNvPr id="5" name="Slide Number Placeholder 4">
-            <a:extLst>
-              <a:ext uri="{FF2B5EF4-FFF2-40B4-BE49-F238E27FC236}">
-                <a16:creationId xmlns:a16="http://schemas.microsoft.com/office/drawing/2014/main" id="{2B1D8444-AC63-5A41-A1DE-8A45895CE4C8}"/>
-              </a:ext>
-            </a:extLst>
-          </p:cNvPr>
+          <p:cNvPr id="5" name="Slide Number Placeholder 4"/>
           <p:cNvSpPr>
             <a:spLocks noGrp="1"/>
           </p:cNvSpPr>
@@ -2017,18 +1751,12 @@
           <a:p>
             <a:fld id="{6268CBA8-F01F-F24D-8DD4-960330DF3DDF}" type="slidenum">
               <a:rPr lang="en-US" smtClean="0"/>
-              <a:t>‹#›</a:t>
             </a:fld>
             <a:endParaRPr lang="en-US"/>
           </a:p>
         </p:txBody>
       </p:sp>
     </p:spTree>
-    <p:extLst>
-      <p:ext uri="{BB962C8B-B14F-4D97-AF65-F5344CB8AC3E}">
-        <p14:creationId xmlns:p14="http://schemas.microsoft.com/office/powerpoint/2010/main" val="133282523"/>
-      </p:ext>
-    </p:extLst>
   </p:cSld>
   <p:clrMapOvr>
     <a:masterClrMapping/>
@@ -2055,13 +1783,7 @@
       </p:grpSpPr>
       <p:sp>
         <p:nvSpPr>
-          <p:cNvPr id="2" name="Date Placeholder 1">
-            <a:extLst>
-              <a:ext uri="{FF2B5EF4-FFF2-40B4-BE49-F238E27FC236}">
-                <a16:creationId xmlns:a16="http://schemas.microsoft.com/office/drawing/2014/main" id="{AACCFADB-6940-C448-B852-0EF10713BCC0}"/>
-              </a:ext>
-            </a:extLst>
-          </p:cNvPr>
+          <p:cNvPr id="2" name="Date Placeholder 1"/>
           <p:cNvSpPr>
             <a:spLocks noGrp="1"/>
           </p:cNvSpPr>
@@ -2076,7 +1798,6 @@
           <a:p>
             <a:fld id="{CA313935-91DE-FC49-BDF5-EED629360A74}" type="datetimeFigureOut">
               <a:rPr lang="en-US" smtClean="0"/>
-              <a:t>1/8/20</a:t>
             </a:fld>
             <a:endParaRPr lang="en-US"/>
           </a:p>
@@ -2084,13 +1805,7 @@
       </p:sp>
       <p:sp>
         <p:nvSpPr>
-          <p:cNvPr id="3" name="Footer Placeholder 2">
-            <a:extLst>
-              <a:ext uri="{FF2B5EF4-FFF2-40B4-BE49-F238E27FC236}">
-                <a16:creationId xmlns:a16="http://schemas.microsoft.com/office/drawing/2014/main" id="{401E177C-5AAA-4F42-A24F-E74A3EDB522B}"/>
-              </a:ext>
-            </a:extLst>
-          </p:cNvPr>
+          <p:cNvPr id="3" name="Footer Placeholder 2"/>
           <p:cNvSpPr>
             <a:spLocks noGrp="1"/>
           </p:cNvSpPr>
@@ -2109,13 +1824,7 @@
       </p:sp>
       <p:sp>
         <p:nvSpPr>
-          <p:cNvPr id="4" name="Slide Number Placeholder 3">
-            <a:extLst>
-              <a:ext uri="{FF2B5EF4-FFF2-40B4-BE49-F238E27FC236}">
-                <a16:creationId xmlns:a16="http://schemas.microsoft.com/office/drawing/2014/main" id="{0AE86ED4-8D98-784E-AF46-8C07BB6F7903}"/>
-              </a:ext>
-            </a:extLst>
-          </p:cNvPr>
+          <p:cNvPr id="4" name="Slide Number Placeholder 3"/>
           <p:cNvSpPr>
             <a:spLocks noGrp="1"/>
           </p:cNvSpPr>
@@ -2130,18 +1839,12 @@
           <a:p>
             <a:fld id="{6268CBA8-F01F-F24D-8DD4-960330DF3DDF}" type="slidenum">
               <a:rPr lang="en-US" smtClean="0"/>
-              <a:t>‹#›</a:t>
             </a:fld>
             <a:endParaRPr lang="en-US"/>
           </a:p>
         </p:txBody>
       </p:sp>
     </p:spTree>
-    <p:extLst>
-      <p:ext uri="{BB962C8B-B14F-4D97-AF65-F5344CB8AC3E}">
-        <p14:creationId xmlns:p14="http://schemas.microsoft.com/office/powerpoint/2010/main" val="2490764092"/>
-      </p:ext>
-    </p:extLst>
   </p:cSld>
   <p:clrMapOvr>
     <a:masterClrMapping/>
@@ -2168,13 +1871,7 @@
       </p:grpSpPr>
       <p:sp>
         <p:nvSpPr>
-          <p:cNvPr id="2" name="Title 1">
-            <a:extLst>
-              <a:ext uri="{FF2B5EF4-FFF2-40B4-BE49-F238E27FC236}">
-                <a16:creationId xmlns:a16="http://schemas.microsoft.com/office/drawing/2014/main" id="{BB2269AF-D24A-1047-88C6-8AEFFC69A2B3}"/>
-              </a:ext>
-            </a:extLst>
-          </p:cNvPr>
+          <p:cNvPr id="2" name="Title 1"/>
           <p:cNvSpPr>
             <a:spLocks noGrp="1"/>
           </p:cNvSpPr>
@@ -2200,18 +1897,13 @@
               <a:rPr lang="en-US"/>
               <a:t>Click to edit Master title style</a:t>
             </a:r>
+            <a:endParaRPr lang="en-US"/>
           </a:p>
         </p:txBody>
       </p:sp>
       <p:sp>
         <p:nvSpPr>
-          <p:cNvPr id="3" name="Content Placeholder 2">
-            <a:extLst>
-              <a:ext uri="{FF2B5EF4-FFF2-40B4-BE49-F238E27FC236}">
-                <a16:creationId xmlns:a16="http://schemas.microsoft.com/office/drawing/2014/main" id="{9C74B828-732E-E847-BD3D-95508873F7A6}"/>
-              </a:ext>
-            </a:extLst>
-          </p:cNvPr>
+          <p:cNvPr id="3" name="Content Placeholder 2"/>
           <p:cNvSpPr>
             <a:spLocks noGrp="1"/>
           </p:cNvSpPr>
@@ -2262,6 +1954,7 @@
               <a:rPr lang="en-US"/>
               <a:t>Edit Master text styles</a:t>
             </a:r>
+            <a:endParaRPr lang="en-US"/>
           </a:p>
           <a:p>
             <a:pPr lvl="1"/>
@@ -2269,6 +1962,7 @@
               <a:rPr lang="en-US"/>
               <a:t>Second level</a:t>
             </a:r>
+            <a:endParaRPr lang="en-US"/>
           </a:p>
           <a:p>
             <a:pPr lvl="2"/>
@@ -2276,6 +1970,7 @@
               <a:rPr lang="en-US"/>
               <a:t>Third level</a:t>
             </a:r>
+            <a:endParaRPr lang="en-US"/>
           </a:p>
           <a:p>
             <a:pPr lvl="3"/>
@@ -2283,6 +1978,7 @@
               <a:rPr lang="en-US"/>
               <a:t>Fourth level</a:t>
             </a:r>
+            <a:endParaRPr lang="en-US"/>
           </a:p>
           <a:p>
             <a:pPr lvl="4"/>
@@ -2290,18 +1986,13 @@
               <a:rPr lang="en-US"/>
               <a:t>Fifth level</a:t>
             </a:r>
+            <a:endParaRPr lang="en-US"/>
           </a:p>
         </p:txBody>
       </p:sp>
       <p:sp>
         <p:nvSpPr>
-          <p:cNvPr id="4" name="Text Placeholder 3">
-            <a:extLst>
-              <a:ext uri="{FF2B5EF4-FFF2-40B4-BE49-F238E27FC236}">
-                <a16:creationId xmlns:a16="http://schemas.microsoft.com/office/drawing/2014/main" id="{38A7CB86-A212-6643-B703-AAE3C5B00844}"/>
-              </a:ext>
-            </a:extLst>
-          </p:cNvPr>
+          <p:cNvPr id="4" name="Text Placeholder 3"/>
           <p:cNvSpPr>
             <a:spLocks noGrp="1"/>
           </p:cNvSpPr>
@@ -2361,18 +2052,13 @@
               <a:rPr lang="en-US"/>
               <a:t>Edit Master text styles</a:t>
             </a:r>
+            <a:endParaRPr lang="en-US"/>
           </a:p>
         </p:txBody>
       </p:sp>
       <p:sp>
         <p:nvSpPr>
-          <p:cNvPr id="5" name="Date Placeholder 4">
-            <a:extLst>
-              <a:ext uri="{FF2B5EF4-FFF2-40B4-BE49-F238E27FC236}">
-                <a16:creationId xmlns:a16="http://schemas.microsoft.com/office/drawing/2014/main" id="{04FE060A-C7C0-3A41-AF19-CCF20DA38F3D}"/>
-              </a:ext>
-            </a:extLst>
-          </p:cNvPr>
+          <p:cNvPr id="5" name="Date Placeholder 4"/>
           <p:cNvSpPr>
             <a:spLocks noGrp="1"/>
           </p:cNvSpPr>
@@ -2387,7 +2073,6 @@
           <a:p>
             <a:fld id="{CA313935-91DE-FC49-BDF5-EED629360A74}" type="datetimeFigureOut">
               <a:rPr lang="en-US" smtClean="0"/>
-              <a:t>1/8/20</a:t>
             </a:fld>
             <a:endParaRPr lang="en-US"/>
           </a:p>
@@ -2395,13 +2080,7 @@
       </p:sp>
       <p:sp>
         <p:nvSpPr>
-          <p:cNvPr id="6" name="Footer Placeholder 5">
-            <a:extLst>
-              <a:ext uri="{FF2B5EF4-FFF2-40B4-BE49-F238E27FC236}">
-                <a16:creationId xmlns:a16="http://schemas.microsoft.com/office/drawing/2014/main" id="{6159DB81-3AF6-2249-B6F3-00E0D9B36DFB}"/>
-              </a:ext>
-            </a:extLst>
-          </p:cNvPr>
+          <p:cNvPr id="6" name="Footer Placeholder 5"/>
           <p:cNvSpPr>
             <a:spLocks noGrp="1"/>
           </p:cNvSpPr>
@@ -2420,13 +2099,7 @@
       </p:sp>
       <p:sp>
         <p:nvSpPr>
-          <p:cNvPr id="7" name="Slide Number Placeholder 6">
-            <a:extLst>
-              <a:ext uri="{FF2B5EF4-FFF2-40B4-BE49-F238E27FC236}">
-                <a16:creationId xmlns:a16="http://schemas.microsoft.com/office/drawing/2014/main" id="{5DF7EBA2-ADE7-D148-A05D-5B1CFD4C331B}"/>
-              </a:ext>
-            </a:extLst>
-          </p:cNvPr>
+          <p:cNvPr id="7" name="Slide Number Placeholder 6"/>
           <p:cNvSpPr>
             <a:spLocks noGrp="1"/>
           </p:cNvSpPr>
@@ -2441,18 +2114,12 @@
           <a:p>
             <a:fld id="{6268CBA8-F01F-F24D-8DD4-960330DF3DDF}" type="slidenum">
               <a:rPr lang="en-US" smtClean="0"/>
-              <a:t>‹#›</a:t>
             </a:fld>
             <a:endParaRPr lang="en-US"/>
           </a:p>
         </p:txBody>
       </p:sp>
     </p:spTree>
-    <p:extLst>
-      <p:ext uri="{BB962C8B-B14F-4D97-AF65-F5344CB8AC3E}">
-        <p14:creationId xmlns:p14="http://schemas.microsoft.com/office/powerpoint/2010/main" val="684784651"/>
-      </p:ext>
-    </p:extLst>
   </p:cSld>
   <p:clrMapOvr>
     <a:masterClrMapping/>
@@ -2479,13 +2146,7 @@
       </p:grpSpPr>
       <p:sp>
         <p:nvSpPr>
-          <p:cNvPr id="2" name="Title 1">
-            <a:extLst>
-              <a:ext uri="{FF2B5EF4-FFF2-40B4-BE49-F238E27FC236}">
-                <a16:creationId xmlns:a16="http://schemas.microsoft.com/office/drawing/2014/main" id="{38CC369E-D255-8843-BF3D-2FDBC9FA6008}"/>
-              </a:ext>
-            </a:extLst>
-          </p:cNvPr>
+          <p:cNvPr id="2" name="Title 1"/>
           <p:cNvSpPr>
             <a:spLocks noGrp="1"/>
           </p:cNvSpPr>
@@ -2511,18 +2172,13 @@
               <a:rPr lang="en-US"/>
               <a:t>Click to edit Master title style</a:t>
             </a:r>
+            <a:endParaRPr lang="en-US"/>
           </a:p>
         </p:txBody>
       </p:sp>
       <p:sp>
         <p:nvSpPr>
-          <p:cNvPr id="3" name="Picture Placeholder 2">
-            <a:extLst>
-              <a:ext uri="{FF2B5EF4-FFF2-40B4-BE49-F238E27FC236}">
-                <a16:creationId xmlns:a16="http://schemas.microsoft.com/office/drawing/2014/main" id="{ACA43772-E66C-0649-846E-69567EAD2C3D}"/>
-              </a:ext>
-            </a:extLst>
-          </p:cNvPr>
+          <p:cNvPr id="3" name="Picture Placeholder 2"/>
           <p:cNvSpPr>
             <a:spLocks noGrp="1"/>
           </p:cNvSpPr>
@@ -2583,13 +2239,7 @@
       </p:sp>
       <p:sp>
         <p:nvSpPr>
-          <p:cNvPr id="4" name="Text Placeholder 3">
-            <a:extLst>
-              <a:ext uri="{FF2B5EF4-FFF2-40B4-BE49-F238E27FC236}">
-                <a16:creationId xmlns:a16="http://schemas.microsoft.com/office/drawing/2014/main" id="{A6E799FD-BDF2-8748-AEA2-49D90F5D42E7}"/>
-              </a:ext>
-            </a:extLst>
-          </p:cNvPr>
+          <p:cNvPr id="4" name="Text Placeholder 3"/>
           <p:cNvSpPr>
             <a:spLocks noGrp="1"/>
           </p:cNvSpPr>
@@ -2649,18 +2299,13 @@
               <a:rPr lang="en-US"/>
               <a:t>Edit Master text styles</a:t>
             </a:r>
+            <a:endParaRPr lang="en-US"/>
           </a:p>
         </p:txBody>
       </p:sp>
       <p:sp>
         <p:nvSpPr>
-          <p:cNvPr id="5" name="Date Placeholder 4">
-            <a:extLst>
-              <a:ext uri="{FF2B5EF4-FFF2-40B4-BE49-F238E27FC236}">
-                <a16:creationId xmlns:a16="http://schemas.microsoft.com/office/drawing/2014/main" id="{E64AF524-3B59-DD4F-A582-39DDDF59359E}"/>
-              </a:ext>
-            </a:extLst>
-          </p:cNvPr>
+          <p:cNvPr id="5" name="Date Placeholder 4"/>
           <p:cNvSpPr>
             <a:spLocks noGrp="1"/>
           </p:cNvSpPr>
@@ -2675,7 +2320,6 @@
           <a:p>
             <a:fld id="{CA313935-91DE-FC49-BDF5-EED629360A74}" type="datetimeFigureOut">
               <a:rPr lang="en-US" smtClean="0"/>
-              <a:t>1/8/20</a:t>
             </a:fld>
             <a:endParaRPr lang="en-US"/>
           </a:p>
@@ -2683,13 +2327,7 @@
       </p:sp>
       <p:sp>
         <p:nvSpPr>
-          <p:cNvPr id="6" name="Footer Placeholder 5">
-            <a:extLst>
-              <a:ext uri="{FF2B5EF4-FFF2-40B4-BE49-F238E27FC236}">
-                <a16:creationId xmlns:a16="http://schemas.microsoft.com/office/drawing/2014/main" id="{E90E55EB-ECDE-8347-8158-C856AA9F7442}"/>
-              </a:ext>
-            </a:extLst>
-          </p:cNvPr>
+          <p:cNvPr id="6" name="Footer Placeholder 5"/>
           <p:cNvSpPr>
             <a:spLocks noGrp="1"/>
           </p:cNvSpPr>
@@ -2708,13 +2346,7 @@
       </p:sp>
       <p:sp>
         <p:nvSpPr>
-          <p:cNvPr id="7" name="Slide Number Placeholder 6">
-            <a:extLst>
-              <a:ext uri="{FF2B5EF4-FFF2-40B4-BE49-F238E27FC236}">
-                <a16:creationId xmlns:a16="http://schemas.microsoft.com/office/drawing/2014/main" id="{EE051A2E-B44B-6348-860F-6F0C7F324CFE}"/>
-              </a:ext>
-            </a:extLst>
-          </p:cNvPr>
+          <p:cNvPr id="7" name="Slide Number Placeholder 6"/>
           <p:cNvSpPr>
             <a:spLocks noGrp="1"/>
           </p:cNvSpPr>
@@ -2729,18 +2361,12 @@
           <a:p>
             <a:fld id="{6268CBA8-F01F-F24D-8DD4-960330DF3DDF}" type="slidenum">
               <a:rPr lang="en-US" smtClean="0"/>
-              <a:t>‹#›</a:t>
             </a:fld>
             <a:endParaRPr lang="en-US"/>
           </a:p>
         </p:txBody>
       </p:sp>
     </p:spTree>
-    <p:extLst>
-      <p:ext uri="{BB962C8B-B14F-4D97-AF65-F5344CB8AC3E}">
-        <p14:creationId xmlns:p14="http://schemas.microsoft.com/office/powerpoint/2010/main" val="3522006591"/>
-      </p:ext>
-    </p:extLst>
   </p:cSld>
   <p:clrMapOvr>
     <a:masterClrMapping/>
@@ -2772,13 +2398,7 @@
       </p:grpSpPr>
       <p:sp>
         <p:nvSpPr>
-          <p:cNvPr id="2" name="Title Placeholder 1">
-            <a:extLst>
-              <a:ext uri="{FF2B5EF4-FFF2-40B4-BE49-F238E27FC236}">
-                <a16:creationId xmlns:a16="http://schemas.microsoft.com/office/drawing/2014/main" id="{AC2277BE-BC65-1441-948C-067C408BA0FA}"/>
-              </a:ext>
-            </a:extLst>
-          </p:cNvPr>
+          <p:cNvPr id="2" name="Title Placeholder 1"/>
           <p:cNvSpPr>
             <a:spLocks noGrp="1"/>
           </p:cNvSpPr>
@@ -2805,18 +2425,13 @@
               <a:rPr lang="en-US"/>
               <a:t>Click to edit Master title style</a:t>
             </a:r>
+            <a:endParaRPr lang="en-US"/>
           </a:p>
         </p:txBody>
       </p:sp>
       <p:sp>
         <p:nvSpPr>
-          <p:cNvPr id="3" name="Text Placeholder 2">
-            <a:extLst>
-              <a:ext uri="{FF2B5EF4-FFF2-40B4-BE49-F238E27FC236}">
-                <a16:creationId xmlns:a16="http://schemas.microsoft.com/office/drawing/2014/main" id="{370988BB-EFAB-214B-9E65-801F1637D3A7}"/>
-              </a:ext>
-            </a:extLst>
-          </p:cNvPr>
+          <p:cNvPr id="3" name="Text Placeholder 2"/>
           <p:cNvSpPr>
             <a:spLocks noGrp="1"/>
           </p:cNvSpPr>
@@ -2844,6 +2459,7 @@
               <a:rPr lang="en-US"/>
               <a:t>Edit Master text styles</a:t>
             </a:r>
+            <a:endParaRPr lang="en-US"/>
           </a:p>
           <a:p>
             <a:pPr lvl="1"/>
@@ -2851,6 +2467,7 @@
               <a:rPr lang="en-US"/>
               <a:t>Second level</a:t>
             </a:r>
+            <a:endParaRPr lang="en-US"/>
           </a:p>
           <a:p>
             <a:pPr lvl="2"/>
@@ -2858,6 +2475,7 @@
               <a:rPr lang="en-US"/>
               <a:t>Third level</a:t>
             </a:r>
+            <a:endParaRPr lang="en-US"/>
           </a:p>
           <a:p>
             <a:pPr lvl="3"/>
@@ -2865,6 +2483,7 @@
               <a:rPr lang="en-US"/>
               <a:t>Fourth level</a:t>
             </a:r>
+            <a:endParaRPr lang="en-US"/>
           </a:p>
           <a:p>
             <a:pPr lvl="4"/>
@@ -2872,18 +2491,13 @@
               <a:rPr lang="en-US"/>
               <a:t>Fifth level</a:t>
             </a:r>
+            <a:endParaRPr lang="en-US"/>
           </a:p>
         </p:txBody>
       </p:sp>
       <p:sp>
         <p:nvSpPr>
-          <p:cNvPr id="4" name="Date Placeholder 3">
-            <a:extLst>
-              <a:ext uri="{FF2B5EF4-FFF2-40B4-BE49-F238E27FC236}">
-                <a16:creationId xmlns:a16="http://schemas.microsoft.com/office/drawing/2014/main" id="{7FC03043-10B8-034F-8713-912885EC5B9D}"/>
-              </a:ext>
-            </a:extLst>
-          </p:cNvPr>
+          <p:cNvPr id="4" name="Date Placeholder 3"/>
           <p:cNvSpPr>
             <a:spLocks noGrp="1"/>
           </p:cNvSpPr>
@@ -2916,7 +2530,6 @@
           <a:p>
             <a:fld id="{CA313935-91DE-FC49-BDF5-EED629360A74}" type="datetimeFigureOut">
               <a:rPr lang="en-US" smtClean="0"/>
-              <a:t>1/8/20</a:t>
             </a:fld>
             <a:endParaRPr lang="en-US"/>
           </a:p>
@@ -2924,13 +2537,7 @@
       </p:sp>
       <p:sp>
         <p:nvSpPr>
-          <p:cNvPr id="5" name="Footer Placeholder 4">
-            <a:extLst>
-              <a:ext uri="{FF2B5EF4-FFF2-40B4-BE49-F238E27FC236}">
-                <a16:creationId xmlns:a16="http://schemas.microsoft.com/office/drawing/2014/main" id="{D14C1DB8-E0DF-674C-8FA5-0A044BB948C4}"/>
-              </a:ext>
-            </a:extLst>
-          </p:cNvPr>
+          <p:cNvPr id="5" name="Footer Placeholder 4"/>
           <p:cNvSpPr>
             <a:spLocks noGrp="1"/>
           </p:cNvSpPr>
@@ -2967,13 +2574,7 @@
       </p:sp>
       <p:sp>
         <p:nvSpPr>
-          <p:cNvPr id="6" name="Slide Number Placeholder 5">
-            <a:extLst>
-              <a:ext uri="{FF2B5EF4-FFF2-40B4-BE49-F238E27FC236}">
-                <a16:creationId xmlns:a16="http://schemas.microsoft.com/office/drawing/2014/main" id="{1370DE0F-3C18-E74E-BE29-EA655603CD3A}"/>
-              </a:ext>
-            </a:extLst>
-          </p:cNvPr>
+          <p:cNvPr id="6" name="Slide Number Placeholder 5"/>
           <p:cNvSpPr>
             <a:spLocks noGrp="1"/>
           </p:cNvSpPr>
@@ -3006,18 +2607,12 @@
           <a:p>
             <a:fld id="{6268CBA8-F01F-F24D-8DD4-960330DF3DDF}" type="slidenum">
               <a:rPr lang="en-US" smtClean="0"/>
-              <a:t>‹#›</a:t>
             </a:fld>
             <a:endParaRPr lang="en-US"/>
           </a:p>
         </p:txBody>
       </p:sp>
     </p:spTree>
-    <p:extLst>
-      <p:ext uri="{BB962C8B-B14F-4D97-AF65-F5344CB8AC3E}">
-        <p14:creationId xmlns:p14="http://schemas.microsoft.com/office/powerpoint/2010/main" val="3867092657"/>
-      </p:ext>
-    </p:extLst>
   </p:cSld>
   <p:clrMap bg1="lt1" tx1="dk1" bg2="lt2" tx2="dk2" accent1="accent1" accent2="accent2" accent3="accent3" accent4="accent4" accent5="accent5" accent6="accent6" hlink="hlink" folHlink="folHlink"/>
   <p:sldLayoutIdLst>
@@ -3061,7 +2656,7 @@
         <a:spcBef>
           <a:spcPts val="1000"/>
         </a:spcBef>
-        <a:buFont typeface="Arial" panose="020B0604020202020204" pitchFamily="34" charset="0"/>
+        <a:buFont typeface="Arial" panose="020B0604020202090204" pitchFamily="34" charset="0"/>
         <a:buChar char="•"/>
         <a:defRPr sz="2800" kern="1200">
           <a:solidFill>
@@ -3079,7 +2674,7 @@
         <a:spcBef>
           <a:spcPts val="500"/>
         </a:spcBef>
-        <a:buFont typeface="Arial" panose="020B0604020202020204" pitchFamily="34" charset="0"/>
+        <a:buFont typeface="Arial" panose="020B0604020202090204" pitchFamily="34" charset="0"/>
         <a:buChar char="•"/>
         <a:defRPr sz="2400" kern="1200">
           <a:solidFill>
@@ -3097,7 +2692,7 @@
         <a:spcBef>
           <a:spcPts val="500"/>
         </a:spcBef>
-        <a:buFont typeface="Arial" panose="020B0604020202020204" pitchFamily="34" charset="0"/>
+        <a:buFont typeface="Arial" panose="020B0604020202090204" pitchFamily="34" charset="0"/>
         <a:buChar char="•"/>
         <a:defRPr sz="2000" kern="1200">
           <a:solidFill>
@@ -3115,7 +2710,7 @@
         <a:spcBef>
           <a:spcPts val="500"/>
         </a:spcBef>
-        <a:buFont typeface="Arial" panose="020B0604020202020204" pitchFamily="34" charset="0"/>
+        <a:buFont typeface="Arial" panose="020B0604020202090204" pitchFamily="34" charset="0"/>
         <a:buChar char="•"/>
         <a:defRPr sz="1800" kern="1200">
           <a:solidFill>
@@ -3133,7 +2728,7 @@
         <a:spcBef>
           <a:spcPts val="500"/>
         </a:spcBef>
-        <a:buFont typeface="Arial" panose="020B0604020202020204" pitchFamily="34" charset="0"/>
+        <a:buFont typeface="Arial" panose="020B0604020202090204" pitchFamily="34" charset="0"/>
         <a:buChar char="•"/>
         <a:defRPr sz="1800" kern="1200">
           <a:solidFill>
@@ -3151,7 +2746,7 @@
         <a:spcBef>
           <a:spcPts val="500"/>
         </a:spcBef>
-        <a:buFont typeface="Arial" panose="020B0604020202020204" pitchFamily="34" charset="0"/>
+        <a:buFont typeface="Arial" panose="020B0604020202090204" pitchFamily="34" charset="0"/>
         <a:buChar char="•"/>
         <a:defRPr sz="1800" kern="1200">
           <a:solidFill>
@@ -3169,7 +2764,7 @@
         <a:spcBef>
           <a:spcPts val="500"/>
         </a:spcBef>
-        <a:buFont typeface="Arial" panose="020B0604020202020204" pitchFamily="34" charset="0"/>
+        <a:buFont typeface="Arial" panose="020B0604020202090204" pitchFamily="34" charset="0"/>
         <a:buChar char="•"/>
         <a:defRPr sz="1800" kern="1200">
           <a:solidFill>
@@ -3187,7 +2782,7 @@
         <a:spcBef>
           <a:spcPts val="500"/>
         </a:spcBef>
-        <a:buFont typeface="Arial" panose="020B0604020202020204" pitchFamily="34" charset="0"/>
+        <a:buFont typeface="Arial" panose="020B0604020202090204" pitchFamily="34" charset="0"/>
         <a:buChar char="•"/>
         <a:defRPr sz="1800" kern="1200">
           <a:solidFill>
@@ -3205,7 +2800,7 @@
         <a:spcBef>
           <a:spcPts val="500"/>
         </a:spcBef>
-        <a:buFont typeface="Arial" panose="020B0604020202020204" pitchFamily="34" charset="0"/>
+        <a:buFont typeface="Arial" panose="020B0604020202090204" pitchFamily="34" charset="0"/>
         <a:buChar char="•"/>
         <a:defRPr sz="1800" kern="1200">
           <a:solidFill>
@@ -3333,17 +2928,11 @@
           <a:chExt cx="0" cy="0"/>
         </a:xfrm>
       </p:grpSpPr>
-      <mc:AlternateContent xmlns:mc="http://schemas.openxmlformats.org/markup-compatibility/2006" xmlns:a14="http://schemas.microsoft.com/office/drawing/2010/main">
-        <mc:Choice Requires="a14">
+      <mc:AlternateContent xmlns:mc="http://schemas.openxmlformats.org/markup-compatibility/2006">
+        <mc:Choice xmlns:a14="http://schemas.microsoft.com/office/drawing/2010/main" Requires="a14">
           <p:sp>
             <p:nvSpPr>
-              <p:cNvPr id="4" name="TextBox 3">
-                <a:extLst>
-                  <a:ext uri="{FF2B5EF4-FFF2-40B4-BE49-F238E27FC236}">
-                    <a16:creationId xmlns:a16="http://schemas.microsoft.com/office/drawing/2014/main" id="{9087BAD2-6097-4F4A-8E8F-31E667B75720}"/>
-                  </a:ext>
-                </a:extLst>
-              </p:cNvPr>
+              <p:cNvPr id="4" name="TextBox 3"/>
               <p:cNvSpPr txBox="1"/>
               <p:nvPr/>
             </p:nvSpPr>
@@ -3363,7 +2952,6 @@
               </a:bodyPr>
               <a:lstStyle/>
               <a:p>
-                <a:pPr/>
                 <a14:m>
                   <m:oMathPara xmlns:m="http://schemas.openxmlformats.org/officeDocument/2006/math">
                     <m:oMathParaPr>
@@ -3465,16 +3053,10 @@
             </p:txBody>
           </p:sp>
         </mc:Choice>
-        <mc:Fallback xmlns="">
+        <mc:Fallback>
           <p:sp>
             <p:nvSpPr>
-              <p:cNvPr id="4" name="TextBox 3">
-                <a:extLst>
-                  <a:ext uri="{FF2B5EF4-FFF2-40B4-BE49-F238E27FC236}">
-                    <a16:creationId xmlns:a16="http://schemas.microsoft.com/office/drawing/2014/main" id="{9087BAD2-6097-4F4A-8E8F-31E667B75720}"/>
-                  </a:ext>
-                </a:extLst>
-              </p:cNvPr>
+              <p:cNvPr id="4" name="TextBox 3"/>
               <p:cNvSpPr txBox="1">
                 <a:spLocks noRot="1" noChangeAspect="1" noMove="1" noResize="1" noEditPoints="1" noAdjustHandles="1" noChangeArrowheads="1" noChangeShapeType="1" noTextEdit="1"/>
               </p:cNvSpPr>
@@ -3488,10 +3070,10 @@
               <a:prstGeom prst="rect">
                 <a:avLst/>
               </a:prstGeom>
-              <a:blipFill>
-                <a:blip r:embed="rId2"/>
+              <a:blipFill rotWithShape="1">
+                <a:blip r:embed="rId1"/>
                 <a:stretch>
-                  <a:fillRect l="-6962" r="-19620" b="-12676"/>
+                  <a:fillRect l="-27" t="-5" r="-2635" b="7"/>
                 </a:stretch>
               </a:blipFill>
             </p:spPr>
@@ -3500,27 +3082,21 @@
               <a:lstStyle/>
               <a:p>
                 <a:r>
-                  <a:rPr lang="en-US">
+                  <a:rPr lang="zh-CN" altLang="en-US">
                     <a:noFill/>
                   </a:rPr>
-                  <a:t> </a:t>
+                  <a:t> </a:t>
                 </a:r>
               </a:p>
             </p:txBody>
           </p:sp>
         </mc:Fallback>
       </mc:AlternateContent>
-      <mc:AlternateContent xmlns:mc="http://schemas.openxmlformats.org/markup-compatibility/2006" xmlns:a14="http://schemas.microsoft.com/office/drawing/2010/main">
-        <mc:Choice Requires="a14">
+      <mc:AlternateContent xmlns:mc="http://schemas.openxmlformats.org/markup-compatibility/2006">
+        <mc:Choice xmlns:a14="http://schemas.microsoft.com/office/drawing/2010/main" Requires="a14">
           <p:sp>
             <p:nvSpPr>
-              <p:cNvPr id="5" name="TextBox 4">
-                <a:extLst>
-                  <a:ext uri="{FF2B5EF4-FFF2-40B4-BE49-F238E27FC236}">
-                    <a16:creationId xmlns:a16="http://schemas.microsoft.com/office/drawing/2014/main" id="{453BE377-097B-9342-8CE3-9F577EF146D1}"/>
-                  </a:ext>
-                </a:extLst>
-              </p:cNvPr>
+              <p:cNvPr id="5" name="TextBox 4"/>
               <p:cNvSpPr txBox="1"/>
               <p:nvPr/>
             </p:nvSpPr>
@@ -3540,7 +3116,6 @@
               </a:bodyPr>
               <a:lstStyle/>
               <a:p>
-                <a:pPr/>
                 <a14:m>
                   <m:oMathPara xmlns:m="http://schemas.openxmlformats.org/officeDocument/2006/math">
                     <m:oMathParaPr>
@@ -3629,16 +3204,10 @@
             </p:txBody>
           </p:sp>
         </mc:Choice>
-        <mc:Fallback xmlns="">
+        <mc:Fallback>
           <p:sp>
             <p:nvSpPr>
-              <p:cNvPr id="5" name="TextBox 4">
-                <a:extLst>
-                  <a:ext uri="{FF2B5EF4-FFF2-40B4-BE49-F238E27FC236}">
-                    <a16:creationId xmlns:a16="http://schemas.microsoft.com/office/drawing/2014/main" id="{453BE377-097B-9342-8CE3-9F577EF146D1}"/>
-                  </a:ext>
-                </a:extLst>
-              </p:cNvPr>
+              <p:cNvPr id="5" name="TextBox 4"/>
               <p:cNvSpPr txBox="1">
                 <a:spLocks noRot="1" noChangeAspect="1" noMove="1" noResize="1" noEditPoints="1" noAdjustHandles="1" noChangeArrowheads="1" noChangeShapeType="1" noTextEdit="1"/>
               </p:cNvSpPr>
@@ -3652,10 +3221,10 @@
               <a:prstGeom prst="rect">
                 <a:avLst/>
               </a:prstGeom>
-              <a:blipFill>
-                <a:blip r:embed="rId3"/>
+              <a:blipFill rotWithShape="1">
+                <a:blip r:embed="rId2"/>
                 <a:stretch>
-                  <a:fillRect l="-6329" r="-19620" b="-11268"/>
+                  <a:fillRect l="-5" t="-5" r="-2657" b="7"/>
                 </a:stretch>
               </a:blipFill>
             </p:spPr>
@@ -3664,10 +3233,10 @@
               <a:lstStyle/>
               <a:p>
                 <a:r>
-                  <a:rPr lang="en-US">
+                  <a:rPr lang="zh-CN" altLang="en-US">
                     <a:noFill/>
                   </a:rPr>
-                  <a:t> </a:t>
+                  <a:t> </a:t>
                 </a:r>
               </a:p>
             </p:txBody>
@@ -3675,11 +3244,6 @@
         </mc:Fallback>
       </mc:AlternateContent>
     </p:spTree>
-    <p:extLst>
-      <p:ext uri="{BB962C8B-B14F-4D97-AF65-F5344CB8AC3E}">
-        <p14:creationId xmlns:p14="http://schemas.microsoft.com/office/powerpoint/2010/main" val="1060363872"/>
-      </p:ext>
-    </p:extLst>
   </p:cSld>
   <p:clrMapOvr>
     <a:masterClrMapping/>
@@ -3704,17 +3268,11 @@
           <a:chExt cx="0" cy="0"/>
         </a:xfrm>
       </p:grpSpPr>
-      <mc:AlternateContent xmlns:mc="http://schemas.openxmlformats.org/markup-compatibility/2006" xmlns:a14="http://schemas.microsoft.com/office/drawing/2010/main">
-        <mc:Choice Requires="a14">
+      <mc:AlternateContent xmlns:mc="http://schemas.openxmlformats.org/markup-compatibility/2006">
+        <mc:Choice xmlns:a14="http://schemas.microsoft.com/office/drawing/2010/main" Requires="a14">
           <p:sp>
             <p:nvSpPr>
-              <p:cNvPr id="4" name="TextBox 3">
-                <a:extLst>
-                  <a:ext uri="{FF2B5EF4-FFF2-40B4-BE49-F238E27FC236}">
-                    <a16:creationId xmlns:a16="http://schemas.microsoft.com/office/drawing/2014/main" id="{9087BAD2-6097-4F4A-8E8F-31E667B75720}"/>
-                  </a:ext>
-                </a:extLst>
-              </p:cNvPr>
+              <p:cNvPr id="4" name="TextBox 3"/>
               <p:cNvSpPr txBox="1"/>
               <p:nvPr/>
             </p:nvSpPr>
@@ -3734,7 +3292,6 @@
               </a:bodyPr>
               <a:lstStyle/>
               <a:p>
-                <a:pPr/>
                 <a14:m>
                   <m:oMathPara xmlns:m="http://schemas.openxmlformats.org/officeDocument/2006/math">
                     <m:oMathParaPr>
@@ -3794,7 +3351,7 @@
                                 <m:rPr>
                                   <m:sty m:val="p"/>
                                 </m:rPr>
-                                <a:rPr lang="en-US" altLang="zh-Hans" sz="4400" b="0" i="0" smtClean="0">
+                                <a:rPr lang="en-US" altLang="en-US" sz="4400" b="0" i="0" smtClean="0">
                                   <a:latin typeface="Cambria Math" panose="02040503050406030204" pitchFamily="18" charset="0"/>
                                 </a:rPr>
                                 <m:t>arg</m:t>
@@ -3876,16 +3433,10 @@
             </p:txBody>
           </p:sp>
         </mc:Choice>
-        <mc:Fallback xmlns="">
+        <mc:Fallback>
           <p:sp>
             <p:nvSpPr>
-              <p:cNvPr id="4" name="TextBox 3">
-                <a:extLst>
-                  <a:ext uri="{FF2B5EF4-FFF2-40B4-BE49-F238E27FC236}">
-                    <a16:creationId xmlns:a16="http://schemas.microsoft.com/office/drawing/2014/main" id="{9087BAD2-6097-4F4A-8E8F-31E667B75720}"/>
-                  </a:ext>
-                </a:extLst>
-              </p:cNvPr>
+              <p:cNvPr id="4" name="TextBox 3"/>
               <p:cNvSpPr txBox="1">
                 <a:spLocks noRot="1" noChangeAspect="1" noMove="1" noResize="1" noEditPoints="1" noAdjustHandles="1" noChangeArrowheads="1" noChangeShapeType="1" noTextEdit="1"/>
               </p:cNvSpPr>
@@ -3899,10 +3450,10 @@
               <a:prstGeom prst="rect">
                 <a:avLst/>
               </a:prstGeom>
-              <a:blipFill>
-                <a:blip r:embed="rId2"/>
+              <a:blipFill rotWithShape="1">
+                <a:blip r:embed="rId1"/>
                 <a:stretch>
-                  <a:fillRect b="-12500"/>
+                  <a:fillRect l="-1" t="-34" r="7" b="34"/>
                 </a:stretch>
               </a:blipFill>
             </p:spPr>
@@ -3911,10 +3462,10 @@
               <a:lstStyle/>
               <a:p>
                 <a:r>
-                  <a:rPr lang="en-US">
+                  <a:rPr lang="zh-CN" altLang="en-US">
                     <a:noFill/>
                   </a:rPr>
-                  <a:t> </a:t>
+                  <a:t> </a:t>
                 </a:r>
               </a:p>
             </p:txBody>
@@ -3922,11 +3473,6 @@
         </mc:Fallback>
       </mc:AlternateContent>
     </p:spTree>
-    <p:extLst>
-      <p:ext uri="{BB962C8B-B14F-4D97-AF65-F5344CB8AC3E}">
-        <p14:creationId xmlns:p14="http://schemas.microsoft.com/office/powerpoint/2010/main" val="3115951013"/>
-      </p:ext>
-    </p:extLst>
   </p:cSld>
   <p:clrMapOvr>
     <a:masterClrMapping/>
@@ -3951,17 +3497,11 @@
           <a:chExt cx="0" cy="0"/>
         </a:xfrm>
       </p:grpSpPr>
-      <mc:AlternateContent xmlns:mc="http://schemas.openxmlformats.org/markup-compatibility/2006" xmlns:a14="http://schemas.microsoft.com/office/drawing/2010/main">
-        <mc:Choice Requires="a14">
+      <mc:AlternateContent xmlns:mc="http://schemas.openxmlformats.org/markup-compatibility/2006">
+        <mc:Choice xmlns:a14="http://schemas.microsoft.com/office/drawing/2010/main" Requires="a14">
           <p:sp>
             <p:nvSpPr>
-              <p:cNvPr id="5" name="TextBox 4">
-                <a:extLst>
-                  <a:ext uri="{FF2B5EF4-FFF2-40B4-BE49-F238E27FC236}">
-                    <a16:creationId xmlns:a16="http://schemas.microsoft.com/office/drawing/2014/main" id="{453BE377-097B-9342-8CE3-9F577EF146D1}"/>
-                  </a:ext>
-                </a:extLst>
-              </p:cNvPr>
+              <p:cNvPr id="5" name="TextBox 4"/>
               <p:cNvSpPr txBox="1"/>
               <p:nvPr/>
             </p:nvSpPr>
@@ -3981,7 +3521,6 @@
               </a:bodyPr>
               <a:lstStyle/>
               <a:p>
-                <a:pPr/>
                 <a14:m>
                   <m:oMathPara xmlns:m="http://schemas.openxmlformats.org/officeDocument/2006/math">
                     <m:oMathParaPr>
@@ -4070,16 +3609,10 @@
             </p:txBody>
           </p:sp>
         </mc:Choice>
-        <mc:Fallback xmlns="">
+        <mc:Fallback>
           <p:sp>
             <p:nvSpPr>
-              <p:cNvPr id="5" name="TextBox 4">
-                <a:extLst>
-                  <a:ext uri="{FF2B5EF4-FFF2-40B4-BE49-F238E27FC236}">
-                    <a16:creationId xmlns:a16="http://schemas.microsoft.com/office/drawing/2014/main" id="{453BE377-097B-9342-8CE3-9F577EF146D1}"/>
-                  </a:ext>
-                </a:extLst>
-              </p:cNvPr>
+              <p:cNvPr id="5" name="TextBox 4"/>
               <p:cNvSpPr txBox="1">
                 <a:spLocks noRot="1" noChangeAspect="1" noMove="1" noResize="1" noEditPoints="1" noAdjustHandles="1" noChangeArrowheads="1" noChangeShapeType="1" noTextEdit="1"/>
               </p:cNvSpPr>
@@ -4093,10 +3626,10 @@
               <a:prstGeom prst="rect">
                 <a:avLst/>
               </a:prstGeom>
-              <a:blipFill>
-                <a:blip r:embed="rId2"/>
+              <a:blipFill rotWithShape="1">
+                <a:blip r:embed="rId1"/>
                 <a:stretch>
-                  <a:fillRect b="-12857"/>
+                  <a:fillRect l="-8" t="-28" r="12" b="29"/>
                 </a:stretch>
               </a:blipFill>
             </p:spPr>
@@ -4105,27 +3638,21 @@
               <a:lstStyle/>
               <a:p>
                 <a:r>
-                  <a:rPr lang="en-US">
+                  <a:rPr lang="zh-CN" altLang="en-US">
                     <a:noFill/>
                   </a:rPr>
-                  <a:t> </a:t>
+                  <a:t> </a:t>
                 </a:r>
               </a:p>
             </p:txBody>
           </p:sp>
         </mc:Fallback>
       </mc:AlternateContent>
-      <mc:AlternateContent xmlns:mc="http://schemas.openxmlformats.org/markup-compatibility/2006" xmlns:a14="http://schemas.microsoft.com/office/drawing/2010/main">
-        <mc:Choice Requires="a14">
+      <mc:AlternateContent xmlns:mc="http://schemas.openxmlformats.org/markup-compatibility/2006">
+        <mc:Choice xmlns:a14="http://schemas.microsoft.com/office/drawing/2010/main" Requires="a14">
           <p:sp>
             <p:nvSpPr>
-              <p:cNvPr id="6" name="TextBox 5">
-                <a:extLst>
-                  <a:ext uri="{FF2B5EF4-FFF2-40B4-BE49-F238E27FC236}">
-                    <a16:creationId xmlns:a16="http://schemas.microsoft.com/office/drawing/2014/main" id="{89003472-1481-A041-8623-1EB2DA5E2CE3}"/>
-                  </a:ext>
-                </a:extLst>
-              </p:cNvPr>
+              <p:cNvPr id="6" name="TextBox 5"/>
               <p:cNvSpPr txBox="1"/>
               <p:nvPr/>
             </p:nvSpPr>
@@ -4145,7 +3672,6 @@
               </a:bodyPr>
               <a:lstStyle/>
               <a:p>
-                <a:pPr/>
                 <a14:m>
                   <m:oMathPara xmlns:m="http://schemas.openxmlformats.org/officeDocument/2006/math">
                     <m:oMathParaPr>
@@ -4187,7 +3713,13 @@
                         <a:rPr lang="en-US" sz="4400" b="0" i="1" smtClean="0">
                           <a:latin typeface="Cambria Math" panose="02040503050406030204" pitchFamily="18" charset="0"/>
                         </a:rPr>
-                        <m:t>=0</m:t>
+                        <m:t>=</m:t>
+                      </m:r>
+                      <m:r>
+                        <a:rPr lang="en-US" sz="4400" b="0" i="1" smtClean="0">
+                          <a:latin typeface="Cambria Math" panose="02040503050406030204" pitchFamily="18" charset="0"/>
+                        </a:rPr>
+                        <m:t>0</m:t>
                       </m:r>
                     </m:oMath>
                   </m:oMathPara>
@@ -4197,16 +3729,10 @@
             </p:txBody>
           </p:sp>
         </mc:Choice>
-        <mc:Fallback xmlns="">
+        <mc:Fallback>
           <p:sp>
             <p:nvSpPr>
-              <p:cNvPr id="6" name="TextBox 5">
-                <a:extLst>
-                  <a:ext uri="{FF2B5EF4-FFF2-40B4-BE49-F238E27FC236}">
-                    <a16:creationId xmlns:a16="http://schemas.microsoft.com/office/drawing/2014/main" id="{89003472-1481-A041-8623-1EB2DA5E2CE3}"/>
-                  </a:ext>
-                </a:extLst>
-              </p:cNvPr>
+              <p:cNvPr id="6" name="TextBox 5"/>
               <p:cNvSpPr txBox="1">
                 <a:spLocks noRot="1" noChangeAspect="1" noMove="1" noResize="1" noEditPoints="1" noAdjustHandles="1" noChangeArrowheads="1" noChangeShapeType="1" noTextEdit="1"/>
               </p:cNvSpPr>
@@ -4220,10 +3746,10 @@
               <a:prstGeom prst="rect">
                 <a:avLst/>
               </a:prstGeom>
-              <a:blipFill>
-                <a:blip r:embed="rId3"/>
+              <a:blipFill rotWithShape="1">
+                <a:blip r:embed="rId2"/>
                 <a:stretch>
-                  <a:fillRect t="-2913" b="-13592"/>
+                  <a:fillRect l="-2" t="-4" r="20" b="9"/>
                 </a:stretch>
               </a:blipFill>
             </p:spPr>
@@ -4232,27 +3758,21 @@
               <a:lstStyle/>
               <a:p>
                 <a:r>
-                  <a:rPr lang="en-US">
+                  <a:rPr lang="zh-CN" altLang="en-US">
                     <a:noFill/>
                   </a:rPr>
-                  <a:t> </a:t>
+                  <a:t> </a:t>
                 </a:r>
               </a:p>
             </p:txBody>
           </p:sp>
         </mc:Fallback>
       </mc:AlternateContent>
-      <mc:AlternateContent xmlns:mc="http://schemas.openxmlformats.org/markup-compatibility/2006" xmlns:a14="http://schemas.microsoft.com/office/drawing/2010/main">
-        <mc:Choice Requires="a14">
+      <mc:AlternateContent xmlns:mc="http://schemas.openxmlformats.org/markup-compatibility/2006">
+        <mc:Choice xmlns:a14="http://schemas.microsoft.com/office/drawing/2010/main" Requires="a14">
           <p:sp>
             <p:nvSpPr>
-              <p:cNvPr id="7" name="TextBox 6">
-                <a:extLst>
-                  <a:ext uri="{FF2B5EF4-FFF2-40B4-BE49-F238E27FC236}">
-                    <a16:creationId xmlns:a16="http://schemas.microsoft.com/office/drawing/2014/main" id="{9E02E8AB-99FE-B346-B063-95665FFAF5E6}"/>
-                  </a:ext>
-                </a:extLst>
-              </p:cNvPr>
+              <p:cNvPr id="7" name="TextBox 6"/>
               <p:cNvSpPr txBox="1"/>
               <p:nvPr/>
             </p:nvSpPr>
@@ -4272,7 +3792,6 @@
               </a:bodyPr>
               <a:lstStyle/>
               <a:p>
-                <a:pPr/>
                 <a14:m>
                   <m:oMathPara xmlns:m="http://schemas.openxmlformats.org/officeDocument/2006/math">
                     <m:oMathParaPr>
@@ -4294,16 +3813,10 @@
             </p:txBody>
           </p:sp>
         </mc:Choice>
-        <mc:Fallback xmlns="">
+        <mc:Fallback>
           <p:sp>
             <p:nvSpPr>
-              <p:cNvPr id="7" name="TextBox 6">
-                <a:extLst>
-                  <a:ext uri="{FF2B5EF4-FFF2-40B4-BE49-F238E27FC236}">
-                    <a16:creationId xmlns:a16="http://schemas.microsoft.com/office/drawing/2014/main" id="{9E02E8AB-99FE-B346-B063-95665FFAF5E6}"/>
-                  </a:ext>
-                </a:extLst>
-              </p:cNvPr>
+              <p:cNvPr id="7" name="TextBox 6"/>
               <p:cNvSpPr txBox="1">
                 <a:spLocks noRot="1" noChangeAspect="1" noMove="1" noResize="1" noEditPoints="1" noAdjustHandles="1" noChangeArrowheads="1" noChangeShapeType="1" noTextEdit="1"/>
               </p:cNvSpPr>
@@ -4317,10 +3830,10 @@
               <a:prstGeom prst="rect">
                 <a:avLst/>
               </a:prstGeom>
-              <a:blipFill>
-                <a:blip r:embed="rId4"/>
+              <a:blipFill rotWithShape="1">
+                <a:blip r:embed="rId3"/>
                 <a:stretch>
-                  <a:fillRect/>
+                  <a:fillRect l="-46" t="-36" r="39" b="-16065"/>
                 </a:stretch>
               </a:blipFill>
             </p:spPr>
@@ -4329,27 +3842,21 @@
               <a:lstStyle/>
               <a:p>
                 <a:r>
-                  <a:rPr lang="en-US">
+                  <a:rPr lang="zh-CN" altLang="en-US">
                     <a:noFill/>
                   </a:rPr>
-                  <a:t> </a:t>
+                  <a:t> </a:t>
                 </a:r>
               </a:p>
             </p:txBody>
           </p:sp>
         </mc:Fallback>
       </mc:AlternateContent>
-      <mc:AlternateContent xmlns:mc="http://schemas.openxmlformats.org/markup-compatibility/2006" xmlns:a14="http://schemas.microsoft.com/office/drawing/2010/main">
-        <mc:Choice Requires="a14">
+      <mc:AlternateContent xmlns:mc="http://schemas.openxmlformats.org/markup-compatibility/2006">
+        <mc:Choice xmlns:a14="http://schemas.microsoft.com/office/drawing/2010/main" Requires="a14">
           <p:sp>
             <p:nvSpPr>
-              <p:cNvPr id="8" name="TextBox 7">
-                <a:extLst>
-                  <a:ext uri="{FF2B5EF4-FFF2-40B4-BE49-F238E27FC236}">
-                    <a16:creationId xmlns:a16="http://schemas.microsoft.com/office/drawing/2014/main" id="{65A60A7A-C1B4-7F4F-934F-BC8C4F1CAE5E}"/>
-                  </a:ext>
-                </a:extLst>
-              </p:cNvPr>
+              <p:cNvPr id="8" name="TextBox 7"/>
               <p:cNvSpPr txBox="1"/>
               <p:nvPr/>
             </p:nvSpPr>
@@ -4369,7 +3876,6 @@
               </a:bodyPr>
               <a:lstStyle/>
               <a:p>
-                <a:pPr/>
                 <a14:m>
                   <m:oMathPara xmlns:m="http://schemas.openxmlformats.org/officeDocument/2006/math">
                     <m:oMathParaPr>
@@ -4391,16 +3897,10 @@
             </p:txBody>
           </p:sp>
         </mc:Choice>
-        <mc:Fallback xmlns="">
+        <mc:Fallback>
           <p:sp>
             <p:nvSpPr>
-              <p:cNvPr id="8" name="TextBox 7">
-                <a:extLst>
-                  <a:ext uri="{FF2B5EF4-FFF2-40B4-BE49-F238E27FC236}">
-                    <a16:creationId xmlns:a16="http://schemas.microsoft.com/office/drawing/2014/main" id="{65A60A7A-C1B4-7F4F-934F-BC8C4F1CAE5E}"/>
-                  </a:ext>
-                </a:extLst>
-              </p:cNvPr>
+              <p:cNvPr id="8" name="TextBox 7"/>
               <p:cNvSpPr txBox="1">
                 <a:spLocks noRot="1" noChangeAspect="1" noMove="1" noResize="1" noEditPoints="1" noAdjustHandles="1" noChangeArrowheads="1" noChangeShapeType="1" noTextEdit="1"/>
               </p:cNvSpPr>
@@ -4414,10 +3914,10 @@
               <a:prstGeom prst="rect">
                 <a:avLst/>
               </a:prstGeom>
-              <a:blipFill>
-                <a:blip r:embed="rId5"/>
+              <a:blipFill rotWithShape="1">
+                <a:blip r:embed="rId3"/>
                 <a:stretch>
-                  <a:fillRect/>
+                  <a:fillRect l="-46" t="-46" r="39" b="-16055"/>
                 </a:stretch>
               </a:blipFill>
             </p:spPr>
@@ -4426,27 +3926,21 @@
               <a:lstStyle/>
               <a:p>
                 <a:r>
-                  <a:rPr lang="en-US">
+                  <a:rPr lang="zh-CN" altLang="en-US">
                     <a:noFill/>
                   </a:rPr>
-                  <a:t> </a:t>
+                  <a:t> </a:t>
                 </a:r>
               </a:p>
             </p:txBody>
           </p:sp>
         </mc:Fallback>
       </mc:AlternateContent>
-      <mc:AlternateContent xmlns:mc="http://schemas.openxmlformats.org/markup-compatibility/2006" xmlns:a14="http://schemas.microsoft.com/office/drawing/2010/main">
-        <mc:Choice Requires="a14">
+      <mc:AlternateContent xmlns:mc="http://schemas.openxmlformats.org/markup-compatibility/2006">
+        <mc:Choice xmlns:a14="http://schemas.microsoft.com/office/drawing/2010/main" Requires="a14">
           <p:sp>
             <p:nvSpPr>
-              <p:cNvPr id="9" name="TextBox 8">
-                <a:extLst>
-                  <a:ext uri="{FF2B5EF4-FFF2-40B4-BE49-F238E27FC236}">
-                    <a16:creationId xmlns:a16="http://schemas.microsoft.com/office/drawing/2014/main" id="{A2C15422-BDF3-4746-8855-D049AD7EEA35}"/>
-                  </a:ext>
-                </a:extLst>
-              </p:cNvPr>
+              <p:cNvPr id="9" name="TextBox 8"/>
               <p:cNvSpPr txBox="1"/>
               <p:nvPr/>
             </p:nvSpPr>
@@ -4466,7 +3960,6 @@
               </a:bodyPr>
               <a:lstStyle/>
               <a:p>
-                <a:pPr/>
                 <a14:m>
                   <m:oMathPara xmlns:m="http://schemas.openxmlformats.org/officeDocument/2006/math">
                     <m:oMathParaPr>
@@ -4489,7 +3982,25 @@
                         <a:rPr lang="en-US" sz="4400" b="0" i="1" smtClean="0">
                           <a:latin typeface="Cambria Math" panose="02040503050406030204" pitchFamily="18" charset="0"/>
                         </a:rPr>
-                        <m:t>+8=0</m:t>
+                        <m:t>+</m:t>
+                      </m:r>
+                      <m:r>
+                        <a:rPr lang="en-US" sz="4400" b="0" i="1" smtClean="0">
+                          <a:latin typeface="Cambria Math" panose="02040503050406030204" pitchFamily="18" charset="0"/>
+                        </a:rPr>
+                        <m:t>8</m:t>
+                      </m:r>
+                      <m:r>
+                        <a:rPr lang="en-US" sz="4400" b="0" i="1" smtClean="0">
+                          <a:latin typeface="Cambria Math" panose="02040503050406030204" pitchFamily="18" charset="0"/>
+                        </a:rPr>
+                        <m:t>=</m:t>
+                      </m:r>
+                      <m:r>
+                        <a:rPr lang="en-US" sz="4400" b="0" i="1" smtClean="0">
+                          <a:latin typeface="Cambria Math" panose="02040503050406030204" pitchFamily="18" charset="0"/>
+                        </a:rPr>
+                        <m:t>0</m:t>
                       </m:r>
                     </m:oMath>
                   </m:oMathPara>
@@ -4499,16 +4010,10 @@
             </p:txBody>
           </p:sp>
         </mc:Choice>
-        <mc:Fallback xmlns="">
+        <mc:Fallback>
           <p:sp>
             <p:nvSpPr>
-              <p:cNvPr id="9" name="TextBox 8">
-                <a:extLst>
-                  <a:ext uri="{FF2B5EF4-FFF2-40B4-BE49-F238E27FC236}">
-                    <a16:creationId xmlns:a16="http://schemas.microsoft.com/office/drawing/2014/main" id="{A2C15422-BDF3-4746-8855-D049AD7EEA35}"/>
-                  </a:ext>
-                </a:extLst>
-              </p:cNvPr>
+              <p:cNvPr id="9" name="TextBox 8"/>
               <p:cNvSpPr txBox="1">
                 <a:spLocks noRot="1" noChangeAspect="1" noMove="1" noResize="1" noEditPoints="1" noAdjustHandles="1" noChangeArrowheads="1" noChangeShapeType="1" noTextEdit="1"/>
               </p:cNvSpPr>
@@ -4522,10 +4027,10 @@
               <a:prstGeom prst="rect">
                 <a:avLst/>
               </a:prstGeom>
-              <a:blipFill>
-                <a:blip r:embed="rId6"/>
+              <a:blipFill rotWithShape="1">
+                <a:blip r:embed="rId4"/>
                 <a:stretch>
-                  <a:fillRect l="-6667" r="-6667" b="-5556"/>
+                  <a:fillRect l="-20" t="-86" r="15" b="-16015"/>
                 </a:stretch>
               </a:blipFill>
             </p:spPr>
@@ -4534,27 +4039,21 @@
               <a:lstStyle/>
               <a:p>
                 <a:r>
-                  <a:rPr lang="en-US">
+                  <a:rPr lang="zh-CN" altLang="en-US">
                     <a:noFill/>
                   </a:rPr>
-                  <a:t> </a:t>
+                  <a:t> </a:t>
                 </a:r>
               </a:p>
             </p:txBody>
           </p:sp>
         </mc:Fallback>
       </mc:AlternateContent>
-      <mc:AlternateContent xmlns:mc="http://schemas.openxmlformats.org/markup-compatibility/2006" xmlns:a14="http://schemas.microsoft.com/office/drawing/2010/main">
-        <mc:Choice Requires="a14">
+      <mc:AlternateContent xmlns:mc="http://schemas.openxmlformats.org/markup-compatibility/2006">
+        <mc:Choice xmlns:a14="http://schemas.microsoft.com/office/drawing/2010/main" Requires="a14">
           <p:sp>
             <p:nvSpPr>
-              <p:cNvPr id="10" name="TextBox 9">
-                <a:extLst>
-                  <a:ext uri="{FF2B5EF4-FFF2-40B4-BE49-F238E27FC236}">
-                    <a16:creationId xmlns:a16="http://schemas.microsoft.com/office/drawing/2014/main" id="{8E92AE45-B255-BF4C-B64F-A3164EB24039}"/>
-                  </a:ext>
-                </a:extLst>
-              </p:cNvPr>
+              <p:cNvPr id="10" name="TextBox 9"/>
               <p:cNvSpPr txBox="1"/>
               <p:nvPr/>
             </p:nvSpPr>
@@ -4574,7 +4073,6 @@
               </a:bodyPr>
               <a:lstStyle/>
               <a:p>
-                <a:pPr/>
                 <a14:m>
                   <m:oMathPara xmlns:m="http://schemas.openxmlformats.org/officeDocument/2006/math">
                     <m:oMathParaPr>
@@ -4596,16 +4094,10 @@
             </p:txBody>
           </p:sp>
         </mc:Choice>
-        <mc:Fallback xmlns="">
+        <mc:Fallback>
           <p:sp>
             <p:nvSpPr>
-              <p:cNvPr id="10" name="TextBox 9">
-                <a:extLst>
-                  <a:ext uri="{FF2B5EF4-FFF2-40B4-BE49-F238E27FC236}">
-                    <a16:creationId xmlns:a16="http://schemas.microsoft.com/office/drawing/2014/main" id="{8E92AE45-B255-BF4C-B64F-A3164EB24039}"/>
-                  </a:ext>
-                </a:extLst>
-              </p:cNvPr>
+              <p:cNvPr id="10" name="TextBox 9"/>
               <p:cNvSpPr txBox="1">
                 <a:spLocks noRot="1" noChangeAspect="1" noMove="1" noResize="1" noEditPoints="1" noAdjustHandles="1" noChangeArrowheads="1" noChangeShapeType="1" noTextEdit="1"/>
               </p:cNvSpPr>
@@ -4619,10 +4111,10 @@
               <a:prstGeom prst="rect">
                 <a:avLst/>
               </a:prstGeom>
-              <a:blipFill>
-                <a:blip r:embed="rId7"/>
+              <a:blipFill rotWithShape="1">
+                <a:blip r:embed="rId3"/>
                 <a:stretch>
-                  <a:fillRect/>
+                  <a:fillRect l="-46" t="-71" r="39" b="-16030"/>
                 </a:stretch>
               </a:blipFill>
             </p:spPr>
@@ -4631,27 +4123,21 @@
               <a:lstStyle/>
               <a:p>
                 <a:r>
-                  <a:rPr lang="en-US">
+                  <a:rPr lang="zh-CN" altLang="en-US">
                     <a:noFill/>
                   </a:rPr>
-                  <a:t> </a:t>
+                  <a:t> </a:t>
                 </a:r>
               </a:p>
             </p:txBody>
           </p:sp>
         </mc:Fallback>
       </mc:AlternateContent>
-      <mc:AlternateContent xmlns:mc="http://schemas.openxmlformats.org/markup-compatibility/2006" xmlns:a14="http://schemas.microsoft.com/office/drawing/2010/main">
-        <mc:Choice Requires="a14">
+      <mc:AlternateContent xmlns:mc="http://schemas.openxmlformats.org/markup-compatibility/2006">
+        <mc:Choice xmlns:a14="http://schemas.microsoft.com/office/drawing/2010/main" Requires="a14">
           <p:sp>
             <p:nvSpPr>
-              <p:cNvPr id="11" name="TextBox 10">
-                <a:extLst>
-                  <a:ext uri="{FF2B5EF4-FFF2-40B4-BE49-F238E27FC236}">
-                    <a16:creationId xmlns:a16="http://schemas.microsoft.com/office/drawing/2014/main" id="{73015017-F988-7743-8CCF-3FE82313E429}"/>
-                  </a:ext>
-                </a:extLst>
-              </p:cNvPr>
+              <p:cNvPr id="11" name="TextBox 10"/>
               <p:cNvSpPr txBox="1"/>
               <p:nvPr/>
             </p:nvSpPr>
@@ -4671,7 +4157,6 @@
               </a:bodyPr>
               <a:lstStyle/>
               <a:p>
-                <a:pPr/>
                 <a14:m>
                   <m:oMathPara xmlns:m="http://schemas.openxmlformats.org/officeDocument/2006/math">
                     <m:oMathParaPr>
@@ -4707,7 +4192,13 @@
                         <a:rPr lang="en-US" sz="4400" b="0" i="1" smtClean="0">
                           <a:latin typeface="Cambria Math" panose="02040503050406030204" pitchFamily="18" charset="0"/>
                         </a:rPr>
-                        <m:t>=−2</m:t>
+                        <m:t>=−</m:t>
+                      </m:r>
+                      <m:r>
+                        <a:rPr lang="en-US" sz="4400" b="0" i="1" smtClean="0">
+                          <a:latin typeface="Cambria Math" panose="02040503050406030204" pitchFamily="18" charset="0"/>
+                        </a:rPr>
+                        <m:t>2</m:t>
                       </m:r>
                     </m:oMath>
                   </m:oMathPara>
@@ -4717,16 +4208,10 @@
             </p:txBody>
           </p:sp>
         </mc:Choice>
-        <mc:Fallback xmlns="">
+        <mc:Fallback>
           <p:sp>
             <p:nvSpPr>
-              <p:cNvPr id="11" name="TextBox 10">
-                <a:extLst>
-                  <a:ext uri="{FF2B5EF4-FFF2-40B4-BE49-F238E27FC236}">
-                    <a16:creationId xmlns:a16="http://schemas.microsoft.com/office/drawing/2014/main" id="{73015017-F988-7743-8CCF-3FE82313E429}"/>
-                  </a:ext>
-                </a:extLst>
-              </p:cNvPr>
+              <p:cNvPr id="11" name="TextBox 10"/>
               <p:cNvSpPr txBox="1">
                 <a:spLocks noRot="1" noChangeAspect="1" noMove="1" noResize="1" noEditPoints="1" noAdjustHandles="1" noChangeArrowheads="1" noChangeShapeType="1" noTextEdit="1"/>
               </p:cNvSpPr>
@@ -4740,10 +4225,10 @@
               <a:prstGeom prst="rect">
                 <a:avLst/>
               </a:prstGeom>
-              <a:blipFill>
-                <a:blip r:embed="rId8"/>
+              <a:blipFill rotWithShape="1">
+                <a:blip r:embed="rId5"/>
                 <a:stretch>
-                  <a:fillRect b="-5556"/>
+                  <a:fillRect l="-15" t="-68" r="9" b="-16033"/>
                 </a:stretch>
               </a:blipFill>
             </p:spPr>
@@ -4752,10 +4237,10 @@
               <a:lstStyle/>
               <a:p>
                 <a:r>
-                  <a:rPr lang="en-US">
+                  <a:rPr lang="zh-CN" altLang="en-US">
                     <a:noFill/>
                   </a:rPr>
-                  <a:t> </a:t>
+                  <a:t> </a:t>
                 </a:r>
               </a:p>
             </p:txBody>
@@ -4763,11 +4248,6 @@
         </mc:Fallback>
       </mc:AlternateContent>
     </p:spTree>
-    <p:extLst>
-      <p:ext uri="{BB962C8B-B14F-4D97-AF65-F5344CB8AC3E}">
-        <p14:creationId xmlns:p14="http://schemas.microsoft.com/office/powerpoint/2010/main" val="3916172766"/>
-      </p:ext>
-    </p:extLst>
   </p:cSld>
   <p:clrMapOvr>
     <a:masterClrMapping/>
@@ -4792,17 +4272,11 @@
           <a:chExt cx="0" cy="0"/>
         </a:xfrm>
       </p:grpSpPr>
-      <mc:AlternateContent xmlns:mc="http://schemas.openxmlformats.org/markup-compatibility/2006" xmlns:a14="http://schemas.microsoft.com/office/drawing/2010/main">
-        <mc:Choice Requires="a14">
+      <mc:AlternateContent xmlns:mc="http://schemas.openxmlformats.org/markup-compatibility/2006">
+        <mc:Choice xmlns:a14="http://schemas.microsoft.com/office/drawing/2010/main" Requires="a14">
           <p:sp>
             <p:nvSpPr>
-              <p:cNvPr id="5" name="TextBox 4">
-                <a:extLst>
-                  <a:ext uri="{FF2B5EF4-FFF2-40B4-BE49-F238E27FC236}">
-                    <a16:creationId xmlns:a16="http://schemas.microsoft.com/office/drawing/2014/main" id="{453BE377-097B-9342-8CE3-9F577EF146D1}"/>
-                  </a:ext>
-                </a:extLst>
-              </p:cNvPr>
+              <p:cNvPr id="5" name="TextBox 4"/>
               <p:cNvSpPr txBox="1"/>
               <p:nvPr/>
             </p:nvSpPr>
@@ -4822,7 +4296,6 @@
               </a:bodyPr>
               <a:lstStyle/>
               <a:p>
-                <a:pPr/>
                 <a14:m>
                   <m:oMathPara xmlns:m="http://schemas.openxmlformats.org/officeDocument/2006/math">
                     <m:oMathParaPr>
@@ -4946,16 +4419,10 @@
             </p:txBody>
           </p:sp>
         </mc:Choice>
-        <mc:Fallback xmlns="">
+        <mc:Fallback>
           <p:sp>
             <p:nvSpPr>
-              <p:cNvPr id="5" name="TextBox 4">
-                <a:extLst>
-                  <a:ext uri="{FF2B5EF4-FFF2-40B4-BE49-F238E27FC236}">
-                    <a16:creationId xmlns:a16="http://schemas.microsoft.com/office/drawing/2014/main" id="{453BE377-097B-9342-8CE3-9F577EF146D1}"/>
-                  </a:ext>
-                </a:extLst>
-              </p:cNvPr>
+              <p:cNvPr id="5" name="TextBox 4"/>
               <p:cNvSpPr txBox="1">
                 <a:spLocks noRot="1" noChangeAspect="1" noMove="1" noResize="1" noEditPoints="1" noAdjustHandles="1" noChangeArrowheads="1" noChangeShapeType="1" noTextEdit="1"/>
               </p:cNvSpPr>
@@ -4969,10 +4436,10 @@
               <a:prstGeom prst="rect">
                 <a:avLst/>
               </a:prstGeom>
-              <a:blipFill>
-                <a:blip r:embed="rId2"/>
+              <a:blipFill rotWithShape="1">
+                <a:blip r:embed="rId1"/>
                 <a:stretch>
-                  <a:fillRect b="-12676"/>
+                  <a:fillRect l="-14" t="-6" r="19" b="36"/>
                 </a:stretch>
               </a:blipFill>
             </p:spPr>
@@ -4981,27 +4448,21 @@
               <a:lstStyle/>
               <a:p>
                 <a:r>
-                  <a:rPr lang="en-US">
+                  <a:rPr lang="zh-CN" altLang="en-US">
                     <a:noFill/>
                   </a:rPr>
-                  <a:t> </a:t>
+                  <a:t> </a:t>
                 </a:r>
               </a:p>
             </p:txBody>
           </p:sp>
         </mc:Fallback>
       </mc:AlternateContent>
-      <mc:AlternateContent xmlns:mc="http://schemas.openxmlformats.org/markup-compatibility/2006" xmlns:a14="http://schemas.microsoft.com/office/drawing/2010/main">
-        <mc:Choice Requires="a14">
+      <mc:AlternateContent xmlns:mc="http://schemas.openxmlformats.org/markup-compatibility/2006">
+        <mc:Choice xmlns:a14="http://schemas.microsoft.com/office/drawing/2010/main" Requires="a14">
           <p:sp>
             <p:nvSpPr>
-              <p:cNvPr id="7" name="TextBox 6">
-                <a:extLst>
-                  <a:ext uri="{FF2B5EF4-FFF2-40B4-BE49-F238E27FC236}">
-                    <a16:creationId xmlns:a16="http://schemas.microsoft.com/office/drawing/2014/main" id="{9E02E8AB-99FE-B346-B063-95665FFAF5E6}"/>
-                  </a:ext>
-                </a:extLst>
-              </p:cNvPr>
+              <p:cNvPr id="7" name="TextBox 6"/>
               <p:cNvSpPr txBox="1"/>
               <p:nvPr/>
             </p:nvSpPr>
@@ -5021,7 +4482,6 @@
               </a:bodyPr>
               <a:lstStyle/>
               <a:p>
-                <a:pPr/>
                 <a14:m>
                   <m:oMathPara xmlns:m="http://schemas.openxmlformats.org/officeDocument/2006/math">
                     <m:oMathParaPr>
@@ -5064,16 +4524,10 @@
             </p:txBody>
           </p:sp>
         </mc:Choice>
-        <mc:Fallback xmlns="">
+        <mc:Fallback>
           <p:sp>
             <p:nvSpPr>
-              <p:cNvPr id="7" name="TextBox 6">
-                <a:extLst>
-                  <a:ext uri="{FF2B5EF4-FFF2-40B4-BE49-F238E27FC236}">
-                    <a16:creationId xmlns:a16="http://schemas.microsoft.com/office/drawing/2014/main" id="{9E02E8AB-99FE-B346-B063-95665FFAF5E6}"/>
-                  </a:ext>
-                </a:extLst>
-              </p:cNvPr>
+              <p:cNvPr id="7" name="TextBox 6"/>
               <p:cNvSpPr txBox="1">
                 <a:spLocks noRot="1" noChangeAspect="1" noMove="1" noResize="1" noEditPoints="1" noAdjustHandles="1" noChangeArrowheads="1" noChangeShapeType="1" noTextEdit="1"/>
               </p:cNvSpPr>
@@ -5087,10 +4541,10 @@
               <a:prstGeom prst="rect">
                 <a:avLst/>
               </a:prstGeom>
-              <a:blipFill>
-                <a:blip r:embed="rId3"/>
+              <a:blipFill rotWithShape="1">
+                <a:blip r:embed="rId2"/>
                 <a:stretch>
-                  <a:fillRect b="-1852"/>
+                  <a:fillRect l="-46" t="-7" r="39" b="-16094"/>
                 </a:stretch>
               </a:blipFill>
             </p:spPr>
@@ -5099,27 +4553,21 @@
               <a:lstStyle/>
               <a:p>
                 <a:r>
-                  <a:rPr lang="en-US">
+                  <a:rPr lang="zh-CN" altLang="en-US">
                     <a:noFill/>
                   </a:rPr>
-                  <a:t> </a:t>
+                  <a:t> </a:t>
                 </a:r>
               </a:p>
             </p:txBody>
           </p:sp>
         </mc:Fallback>
       </mc:AlternateContent>
-      <mc:AlternateContent xmlns:mc="http://schemas.openxmlformats.org/markup-compatibility/2006" xmlns:a14="http://schemas.microsoft.com/office/drawing/2010/main">
-        <mc:Choice Requires="a14">
+      <mc:AlternateContent xmlns:mc="http://schemas.openxmlformats.org/markup-compatibility/2006">
+        <mc:Choice xmlns:a14="http://schemas.microsoft.com/office/drawing/2010/main" Requires="a14">
           <p:sp>
             <p:nvSpPr>
-              <p:cNvPr id="12" name="TextBox 11">
-                <a:extLst>
-                  <a:ext uri="{FF2B5EF4-FFF2-40B4-BE49-F238E27FC236}">
-                    <a16:creationId xmlns:a16="http://schemas.microsoft.com/office/drawing/2014/main" id="{5A90C1BB-47BA-EB45-A53A-AE0C107715FC}"/>
-                  </a:ext>
-                </a:extLst>
-              </p:cNvPr>
+              <p:cNvPr id="12" name="TextBox 11"/>
               <p:cNvSpPr txBox="1"/>
               <p:nvPr/>
             </p:nvSpPr>
@@ -5139,7 +4587,6 @@
               </a:bodyPr>
               <a:lstStyle/>
               <a:p>
-                <a:pPr/>
                 <a14:m>
                   <m:oMathPara xmlns:m="http://schemas.openxmlformats.org/officeDocument/2006/math">
                     <m:oMathParaPr>
@@ -5192,7 +4639,19 @@
                         <a:rPr lang="en-US" sz="4400" b="0" i="1" smtClean="0">
                           <a:latin typeface="Cambria Math" panose="02040503050406030204" pitchFamily="18" charset="0"/>
                         </a:rPr>
-                        <m:t>=0,  </m:t>
+                        <m:t>=</m:t>
+                      </m:r>
+                      <m:r>
+                        <a:rPr lang="en-US" sz="4400" b="0" i="1" smtClean="0">
+                          <a:latin typeface="Cambria Math" panose="02040503050406030204" pitchFamily="18" charset="0"/>
+                        </a:rPr>
+                        <m:t>0</m:t>
+                      </m:r>
+                      <m:r>
+                        <a:rPr lang="en-US" sz="4400" b="0" i="1" smtClean="0">
+                          <a:latin typeface="Cambria Math" panose="02040503050406030204" pitchFamily="18" charset="0"/>
+                        </a:rPr>
+                        <m:t>,  </m:t>
                       </m:r>
                       <m:r>
                         <a:rPr lang="en-US" sz="4400" b="0" i="1" smtClean="0">
@@ -5222,16 +4681,10 @@
             </p:txBody>
           </p:sp>
         </mc:Choice>
-        <mc:Fallback xmlns="">
+        <mc:Fallback>
           <p:sp>
             <p:nvSpPr>
-              <p:cNvPr id="12" name="TextBox 11">
-                <a:extLst>
-                  <a:ext uri="{FF2B5EF4-FFF2-40B4-BE49-F238E27FC236}">
-                    <a16:creationId xmlns:a16="http://schemas.microsoft.com/office/drawing/2014/main" id="{5A90C1BB-47BA-EB45-A53A-AE0C107715FC}"/>
-                  </a:ext>
-                </a:extLst>
-              </p:cNvPr>
+              <p:cNvPr id="12" name="TextBox 11"/>
               <p:cNvSpPr txBox="1">
                 <a:spLocks noRot="1" noChangeAspect="1" noMove="1" noResize="1" noEditPoints="1" noAdjustHandles="1" noChangeArrowheads="1" noChangeShapeType="1" noTextEdit="1"/>
               </p:cNvSpPr>
@@ -5245,10 +4698,10 @@
               <a:prstGeom prst="rect">
                 <a:avLst/>
               </a:prstGeom>
-              <a:blipFill>
-                <a:blip r:embed="rId4"/>
+              <a:blipFill rotWithShape="1">
+                <a:blip r:embed="rId3"/>
                 <a:stretch>
-                  <a:fillRect b="-14815"/>
+                  <a:fillRect l="-12" t="-48" r="4" b="-16053"/>
                 </a:stretch>
               </a:blipFill>
             </p:spPr>
@@ -5257,27 +4710,21 @@
               <a:lstStyle/>
               <a:p>
                 <a:r>
-                  <a:rPr lang="en-US">
+                  <a:rPr lang="zh-CN" altLang="en-US">
                     <a:noFill/>
                   </a:rPr>
-                  <a:t> </a:t>
+                  <a:t> </a:t>
                 </a:r>
               </a:p>
             </p:txBody>
           </p:sp>
         </mc:Fallback>
       </mc:AlternateContent>
-      <mc:AlternateContent xmlns:mc="http://schemas.openxmlformats.org/markup-compatibility/2006" xmlns:a14="http://schemas.microsoft.com/office/drawing/2010/main">
-        <mc:Choice Requires="a14">
+      <mc:AlternateContent xmlns:mc="http://schemas.openxmlformats.org/markup-compatibility/2006">
+        <mc:Choice xmlns:a14="http://schemas.microsoft.com/office/drawing/2010/main" Requires="a14">
           <p:sp>
             <p:nvSpPr>
-              <p:cNvPr id="13" name="TextBox 12">
-                <a:extLst>
-                  <a:ext uri="{FF2B5EF4-FFF2-40B4-BE49-F238E27FC236}">
-                    <a16:creationId xmlns:a16="http://schemas.microsoft.com/office/drawing/2014/main" id="{B9759DC2-5AD2-C947-97EA-9D290F0847C2}"/>
-                  </a:ext>
-                </a:extLst>
-              </p:cNvPr>
+              <p:cNvPr id="13" name="TextBox 12"/>
               <p:cNvSpPr txBox="1"/>
               <p:nvPr/>
             </p:nvSpPr>
@@ -5297,7 +4744,6 @@
               </a:bodyPr>
               <a:lstStyle/>
               <a:p>
-                <a:pPr/>
                 <a14:m>
                   <m:oMathPara xmlns:m="http://schemas.openxmlformats.org/officeDocument/2006/math">
                     <m:oMathParaPr>
@@ -5357,7 +4803,13 @@
                         <a:rPr lang="en-US" sz="4400" b="0" i="1" smtClean="0">
                           <a:latin typeface="Cambria Math" panose="02040503050406030204" pitchFamily="18" charset="0"/>
                         </a:rPr>
-                        <m:t>0,  </m:t>
+                        <m:t>0</m:t>
+                      </m:r>
+                      <m:r>
+                        <a:rPr lang="en-US" sz="4400" b="0" i="1" smtClean="0">
+                          <a:latin typeface="Cambria Math" panose="02040503050406030204" pitchFamily="18" charset="0"/>
+                        </a:rPr>
+                        <m:t>,  </m:t>
                       </m:r>
                       <m:r>
                         <a:rPr lang="en-US" sz="4400" b="0" i="1" smtClean="0">
@@ -5387,16 +4839,10 @@
             </p:txBody>
           </p:sp>
         </mc:Choice>
-        <mc:Fallback xmlns="">
+        <mc:Fallback>
           <p:sp>
             <p:nvSpPr>
-              <p:cNvPr id="13" name="TextBox 12">
-                <a:extLst>
-                  <a:ext uri="{FF2B5EF4-FFF2-40B4-BE49-F238E27FC236}">
-                    <a16:creationId xmlns:a16="http://schemas.microsoft.com/office/drawing/2014/main" id="{B9759DC2-5AD2-C947-97EA-9D290F0847C2}"/>
-                  </a:ext>
-                </a:extLst>
-              </p:cNvPr>
+              <p:cNvPr id="13" name="TextBox 12"/>
               <p:cNvSpPr txBox="1">
                 <a:spLocks noRot="1" noChangeAspect="1" noMove="1" noResize="1" noEditPoints="1" noAdjustHandles="1" noChangeArrowheads="1" noChangeShapeType="1" noTextEdit="1"/>
               </p:cNvSpPr>
@@ -5410,10 +4856,10 @@
               <a:prstGeom prst="rect">
                 <a:avLst/>
               </a:prstGeom>
-              <a:blipFill>
-                <a:blip r:embed="rId5"/>
+              <a:blipFill rotWithShape="1">
+                <a:blip r:embed="rId4"/>
                 <a:stretch>
-                  <a:fillRect l="-1527" r="-2290" b="-14815"/>
+                  <a:fillRect l="-6" t="-28" r="5" b="-16073"/>
                 </a:stretch>
               </a:blipFill>
             </p:spPr>
@@ -5422,10 +4868,10 @@
               <a:lstStyle/>
               <a:p>
                 <a:r>
-                  <a:rPr lang="en-US">
+                  <a:rPr lang="zh-CN" altLang="en-US">
                     <a:noFill/>
                   </a:rPr>
-                  <a:t> </a:t>
+                  <a:t> </a:t>
                 </a:r>
               </a:p>
             </p:txBody>
@@ -5433,11 +4879,6 @@
         </mc:Fallback>
       </mc:AlternateContent>
     </p:spTree>
-    <p:extLst>
-      <p:ext uri="{BB962C8B-B14F-4D97-AF65-F5344CB8AC3E}">
-        <p14:creationId xmlns:p14="http://schemas.microsoft.com/office/powerpoint/2010/main" val="944802675"/>
-      </p:ext>
-    </p:extLst>
   </p:cSld>
   <p:clrMapOvr>
     <a:masterClrMapping/>
@@ -5462,24 +4903,18 @@
           <a:chExt cx="0" cy="0"/>
         </a:xfrm>
       </p:grpSpPr>
-      <mc:AlternateContent xmlns:mc="http://schemas.openxmlformats.org/markup-compatibility/2006" xmlns:a14="http://schemas.microsoft.com/office/drawing/2010/main">
-        <mc:Choice Requires="a14">
+      <mc:AlternateContent xmlns:mc="http://schemas.openxmlformats.org/markup-compatibility/2006">
+        <mc:Choice xmlns:a14="http://schemas.microsoft.com/office/drawing/2010/main" Requires="a14">
           <p:sp>
             <p:nvSpPr>
-              <p:cNvPr id="5" name="TextBox 4">
-                <a:extLst>
-                  <a:ext uri="{FF2B5EF4-FFF2-40B4-BE49-F238E27FC236}">
-                    <a16:creationId xmlns:a16="http://schemas.microsoft.com/office/drawing/2014/main" id="{453BE377-097B-9342-8CE3-9F577EF146D1}"/>
-                  </a:ext>
-                </a:extLst>
-              </p:cNvPr>
+              <p:cNvPr id="5" name="TextBox 4"/>
               <p:cNvSpPr txBox="1"/>
               <p:nvPr/>
             </p:nvSpPr>
             <p:spPr>
               <a:xfrm>
                 <a:off x="1998783" y="1729154"/>
-                <a:ext cx="5949463" cy="677108"/>
+                <a:ext cx="5949463" cy="793750"/>
               </a:xfrm>
               <a:prstGeom prst="rect">
                 <a:avLst/>
@@ -5492,7 +4927,6 @@
               </a:bodyPr>
               <a:lstStyle/>
               <a:p>
-                <a:pPr/>
                 <a14:m>
                   <m:oMathPara xmlns:m="http://schemas.openxmlformats.org/officeDocument/2006/math">
                     <m:oMathParaPr>
@@ -5545,7 +4979,7 @@
                         <a:rPr lang="en-US" sz="4400" b="0" i="1" smtClean="0">
                           <a:latin typeface="Cambria Math" panose="02040503050406030204" pitchFamily="18" charset="0"/>
                         </a:rPr>
-                        <m:t>&lt;</m:t>
+                        <m:t>&gt;</m:t>
                       </m:r>
                       <m:r>
                         <a:rPr lang="en-US" sz="4400" b="0" i="1" smtClean="0">
@@ -5586,7 +5020,13 @@
                             <a:rPr lang="en-US" sz="4400" b="0" i="1" smtClean="0">
                               <a:latin typeface="Cambria Math" panose="02040503050406030204" pitchFamily="18" charset="0"/>
                             </a:rPr>
-                            <m:t>+1</m:t>
+                            <m:t>+</m:t>
+                          </m:r>
+                          <m:r>
+                            <a:rPr lang="en-US" sz="4400" b="0" i="1" smtClean="0">
+                              <a:latin typeface="Cambria Math" panose="02040503050406030204" pitchFamily="18" charset="0"/>
+                            </a:rPr>
+                            <m:t>1</m:t>
                           </m:r>
                         </m:sub>
                       </m:sSub>
@@ -5604,16 +5044,10 @@
             </p:txBody>
           </p:sp>
         </mc:Choice>
-        <mc:Fallback xmlns="">
+        <mc:Fallback>
           <p:sp>
             <p:nvSpPr>
-              <p:cNvPr id="5" name="TextBox 4">
-                <a:extLst>
-                  <a:ext uri="{FF2B5EF4-FFF2-40B4-BE49-F238E27FC236}">
-                    <a16:creationId xmlns:a16="http://schemas.microsoft.com/office/drawing/2014/main" id="{453BE377-097B-9342-8CE3-9F577EF146D1}"/>
-                  </a:ext>
-                </a:extLst>
-              </p:cNvPr>
+              <p:cNvPr id="5" name="TextBox 4"/>
               <p:cNvSpPr txBox="1">
                 <a:spLocks noRot="1" noChangeAspect="1" noMove="1" noResize="1" noEditPoints="1" noAdjustHandles="1" noChangeArrowheads="1" noChangeShapeType="1" noTextEdit="1"/>
               </p:cNvSpPr>
@@ -5622,15 +5056,15 @@
             <p:spPr>
               <a:xfrm>
                 <a:off x="1998783" y="1729154"/>
-                <a:ext cx="5949463" cy="677108"/>
+                <a:ext cx="5949463" cy="793750"/>
               </a:xfrm>
               <a:prstGeom prst="rect">
                 <a:avLst/>
               </a:prstGeom>
-              <a:blipFill>
-                <a:blip r:embed="rId2"/>
+              <a:blipFill rotWithShape="1">
+                <a:blip r:embed="rId1"/>
                 <a:stretch>
-                  <a:fillRect b="-33333"/>
+                  <a:fillRect l="-7" t="-6" r="10" b="6"/>
                 </a:stretch>
               </a:blipFill>
             </p:spPr>
@@ -5639,10 +5073,10 @@
               <a:lstStyle/>
               <a:p>
                 <a:r>
-                  <a:rPr lang="en-US">
+                  <a:rPr lang="zh-CN" altLang="en-US">
                     <a:noFill/>
                   </a:rPr>
-                  <a:t> </a:t>
+                  <a:t> </a:t>
                 </a:r>
               </a:p>
             </p:txBody>
@@ -5650,11 +5084,6 @@
         </mc:Fallback>
       </mc:AlternateContent>
     </p:spTree>
-    <p:extLst>
-      <p:ext uri="{BB962C8B-B14F-4D97-AF65-F5344CB8AC3E}">
-        <p14:creationId xmlns:p14="http://schemas.microsoft.com/office/powerpoint/2010/main" val="2751133518"/>
-      </p:ext>
-    </p:extLst>
   </p:cSld>
   <p:clrMapOvr>
     <a:masterClrMapping/>
@@ -5681,20 +5110,14 @@
       </p:grpSpPr>
       <p:pic>
         <p:nvPicPr>
-          <p:cNvPr id="5" name="Picture 4">
-            <a:extLst>
-              <a:ext uri="{FF2B5EF4-FFF2-40B4-BE49-F238E27FC236}">
-                <a16:creationId xmlns:a16="http://schemas.microsoft.com/office/drawing/2014/main" id="{6B833DCF-1196-094E-8DEE-4C261485209B}"/>
-              </a:ext>
-            </a:extLst>
-          </p:cNvPr>
+          <p:cNvPr id="5" name="Picture 4"/>
           <p:cNvPicPr>
             <a:picLocks noChangeAspect="1"/>
           </p:cNvPicPr>
           <p:nvPr/>
         </p:nvPicPr>
         <p:blipFill>
-          <a:blip r:embed="rId2">
+          <a:blip r:embed="rId1">
             <a:extLst>
               <a:ext uri="{28A0092B-C50C-407E-A947-70E740481C1C}">
                 <a14:useLocalDpi xmlns:a14="http://schemas.microsoft.com/office/drawing/2010/main" val="0"/>
@@ -5717,13 +5140,7 @@
       </p:pic>
       <p:cxnSp>
         <p:nvCxnSpPr>
-          <p:cNvPr id="7" name="Straight Arrow Connector 6">
-            <a:extLst>
-              <a:ext uri="{FF2B5EF4-FFF2-40B4-BE49-F238E27FC236}">
-                <a16:creationId xmlns:a16="http://schemas.microsoft.com/office/drawing/2014/main" id="{AB265331-E8BB-DE43-9D2F-8976B203D1C1}"/>
-              </a:ext>
-            </a:extLst>
-          </p:cNvPr>
+          <p:cNvPr id="7" name="Straight Arrow Connector 6"/>
           <p:cNvCxnSpPr/>
           <p:nvPr/>
         </p:nvCxnSpPr>
@@ -5761,13 +5178,7 @@
       </p:cxnSp>
       <p:cxnSp>
         <p:nvCxnSpPr>
-          <p:cNvPr id="9" name="Straight Arrow Connector 8">
-            <a:extLst>
-              <a:ext uri="{FF2B5EF4-FFF2-40B4-BE49-F238E27FC236}">
-                <a16:creationId xmlns:a16="http://schemas.microsoft.com/office/drawing/2014/main" id="{5974B3A8-C23F-6E4B-AE63-21B5E2E1D346}"/>
-              </a:ext>
-            </a:extLst>
-          </p:cNvPr>
+          <p:cNvPr id="9" name="Straight Arrow Connector 8"/>
           <p:cNvCxnSpPr/>
           <p:nvPr/>
         </p:nvCxnSpPr>
@@ -5803,11 +5214,6 @@
         </p:style>
       </p:cxnSp>
     </p:spTree>
-    <p:extLst>
-      <p:ext uri="{BB962C8B-B14F-4D97-AF65-F5344CB8AC3E}">
-        <p14:creationId xmlns:p14="http://schemas.microsoft.com/office/powerpoint/2010/main" val="1886966137"/>
-      </p:ext>
-    </p:extLst>
   </p:cSld>
   <p:clrMapOvr>
     <a:masterClrMapping/>
@@ -5834,20 +5240,14 @@
       </p:grpSpPr>
       <p:pic>
         <p:nvPicPr>
-          <p:cNvPr id="5" name="Picture 4">
-            <a:extLst>
-              <a:ext uri="{FF2B5EF4-FFF2-40B4-BE49-F238E27FC236}">
-                <a16:creationId xmlns:a16="http://schemas.microsoft.com/office/drawing/2014/main" id="{56301187-58F2-674C-A191-7656659B8771}"/>
-              </a:ext>
-            </a:extLst>
-          </p:cNvPr>
+          <p:cNvPr id="5" name="Picture 4"/>
           <p:cNvPicPr>
             <a:picLocks noChangeAspect="1"/>
           </p:cNvPicPr>
           <p:nvPr/>
         </p:nvPicPr>
         <p:blipFill>
-          <a:blip r:embed="rId2">
+          <a:blip r:embed="rId1">
             <a:extLst>
               <a:ext uri="{28A0092B-C50C-407E-A947-70E740481C1C}">
                 <a14:useLocalDpi xmlns:a14="http://schemas.microsoft.com/office/drawing/2010/main" val="0"/>
@@ -5870,20 +5270,14 @@
       </p:pic>
       <p:pic>
         <p:nvPicPr>
-          <p:cNvPr id="7" name="Picture 6">
-            <a:extLst>
-              <a:ext uri="{FF2B5EF4-FFF2-40B4-BE49-F238E27FC236}">
-                <a16:creationId xmlns:a16="http://schemas.microsoft.com/office/drawing/2014/main" id="{CFB36860-205F-C74C-8605-42027EC795DF}"/>
-              </a:ext>
-            </a:extLst>
-          </p:cNvPr>
+          <p:cNvPr id="7" name="Picture 6"/>
           <p:cNvPicPr>
             <a:picLocks noChangeAspect="1"/>
           </p:cNvPicPr>
           <p:nvPr/>
         </p:nvPicPr>
         <p:blipFill>
-          <a:blip r:embed="rId3"/>
+          <a:blip r:embed="rId2"/>
           <a:stretch>
             <a:fillRect/>
           </a:stretch>
@@ -5900,20 +5294,14 @@
       </p:pic>
       <p:pic>
         <p:nvPicPr>
-          <p:cNvPr id="8" name="Picture 7">
-            <a:extLst>
-              <a:ext uri="{FF2B5EF4-FFF2-40B4-BE49-F238E27FC236}">
-                <a16:creationId xmlns:a16="http://schemas.microsoft.com/office/drawing/2014/main" id="{EFBCC7E5-0BAB-6C4E-BDAC-A4ADC34B8295}"/>
-              </a:ext>
-            </a:extLst>
-          </p:cNvPr>
+          <p:cNvPr id="8" name="Picture 7"/>
           <p:cNvPicPr>
             <a:picLocks noChangeAspect="1"/>
           </p:cNvPicPr>
           <p:nvPr/>
         </p:nvPicPr>
         <p:blipFill>
-          <a:blip r:embed="rId3"/>
+          <a:blip r:embed="rId2"/>
           <a:stretch>
             <a:fillRect/>
           </a:stretch>
@@ -5930,20 +5318,14 @@
       </p:pic>
       <p:pic>
         <p:nvPicPr>
-          <p:cNvPr id="9" name="Picture 8">
-            <a:extLst>
-              <a:ext uri="{FF2B5EF4-FFF2-40B4-BE49-F238E27FC236}">
-                <a16:creationId xmlns:a16="http://schemas.microsoft.com/office/drawing/2014/main" id="{3ED842BD-38F6-CB43-8E76-6898583B0EC5}"/>
-              </a:ext>
-            </a:extLst>
-          </p:cNvPr>
+          <p:cNvPr id="9" name="Picture 8"/>
           <p:cNvPicPr>
             <a:picLocks noChangeAspect="1"/>
           </p:cNvPicPr>
           <p:nvPr/>
         </p:nvPicPr>
         <p:blipFill>
-          <a:blip r:embed="rId3"/>
+          <a:blip r:embed="rId2"/>
           <a:stretch>
             <a:fillRect/>
           </a:stretch>
@@ -5958,17 +5340,11 @@
           </a:prstGeom>
         </p:spPr>
       </p:pic>
-      <mc:AlternateContent xmlns:mc="http://schemas.openxmlformats.org/markup-compatibility/2006" xmlns:a14="http://schemas.microsoft.com/office/drawing/2010/main">
-        <mc:Choice Requires="a14">
+      <mc:AlternateContent xmlns:mc="http://schemas.openxmlformats.org/markup-compatibility/2006">
+        <mc:Choice xmlns:a14="http://schemas.microsoft.com/office/drawing/2010/main" Requires="a14">
           <p:sp>
             <p:nvSpPr>
-              <p:cNvPr id="6" name="TextBox 5">
-                <a:extLst>
-                  <a:ext uri="{FF2B5EF4-FFF2-40B4-BE49-F238E27FC236}">
-                    <a16:creationId xmlns:a16="http://schemas.microsoft.com/office/drawing/2014/main" id="{3BCAFE83-6B28-0B42-833A-E85C898AC3DF}"/>
-                  </a:ext>
-                </a:extLst>
-              </p:cNvPr>
+              <p:cNvPr id="6" name="TextBox 5"/>
               <p:cNvSpPr txBox="1"/>
               <p:nvPr/>
             </p:nvSpPr>
@@ -5988,7 +5364,6 @@
               </a:bodyPr>
               <a:lstStyle/>
               <a:p>
-                <a:pPr/>
                 <a14:m>
                   <m:oMathPara xmlns:m="http://schemas.openxmlformats.org/officeDocument/2006/math">
                     <m:oMathParaPr>
@@ -6027,16 +5402,10 @@
             </p:txBody>
           </p:sp>
         </mc:Choice>
-        <mc:Fallback xmlns="">
+        <mc:Fallback>
           <p:sp>
             <p:nvSpPr>
-              <p:cNvPr id="6" name="TextBox 5">
-                <a:extLst>
-                  <a:ext uri="{FF2B5EF4-FFF2-40B4-BE49-F238E27FC236}">
-                    <a16:creationId xmlns:a16="http://schemas.microsoft.com/office/drawing/2014/main" id="{3BCAFE83-6B28-0B42-833A-E85C898AC3DF}"/>
-                  </a:ext>
-                </a:extLst>
-              </p:cNvPr>
+              <p:cNvPr id="6" name="TextBox 5"/>
               <p:cNvSpPr txBox="1">
                 <a:spLocks noRot="1" noChangeAspect="1" noMove="1" noResize="1" noEditPoints="1" noAdjustHandles="1" noChangeArrowheads="1" noChangeShapeType="1" noTextEdit="1"/>
               </p:cNvSpPr>
@@ -6050,10 +5419,10 @@
               <a:prstGeom prst="rect">
                 <a:avLst/>
               </a:prstGeom>
-              <a:blipFill>
-                <a:blip r:embed="rId4"/>
+              <a:blipFill rotWithShape="1">
+                <a:blip r:embed="rId3"/>
                 <a:stretch>
-                  <a:fillRect l="-14634" t="-4762" r="-14634" b="-38095"/>
+                  <a:fillRect l="-90" t="-194" r="-827" b="-15803"/>
                 </a:stretch>
               </a:blipFill>
             </p:spPr>
@@ -6062,27 +5431,21 @@
               <a:lstStyle/>
               <a:p>
                 <a:r>
-                  <a:rPr lang="en-US">
+                  <a:rPr lang="zh-CN" altLang="en-US">
                     <a:noFill/>
                   </a:rPr>
-                  <a:t> </a:t>
+                  <a:t> </a:t>
                 </a:r>
               </a:p>
             </p:txBody>
           </p:sp>
         </mc:Fallback>
       </mc:AlternateContent>
-      <mc:AlternateContent xmlns:mc="http://schemas.openxmlformats.org/markup-compatibility/2006" xmlns:a14="http://schemas.microsoft.com/office/drawing/2010/main">
-        <mc:Choice Requires="a14">
+      <mc:AlternateContent xmlns:mc="http://schemas.openxmlformats.org/markup-compatibility/2006">
+        <mc:Choice xmlns:a14="http://schemas.microsoft.com/office/drawing/2010/main" Requires="a14">
           <p:sp>
             <p:nvSpPr>
-              <p:cNvPr id="11" name="TextBox 10">
-                <a:extLst>
-                  <a:ext uri="{FF2B5EF4-FFF2-40B4-BE49-F238E27FC236}">
-                    <a16:creationId xmlns:a16="http://schemas.microsoft.com/office/drawing/2014/main" id="{9D1EB25A-B3F0-224D-8EA4-19B9C88AC6BD}"/>
-                  </a:ext>
-                </a:extLst>
-              </p:cNvPr>
+              <p:cNvPr id="11" name="TextBox 10"/>
               <p:cNvSpPr txBox="1"/>
               <p:nvPr/>
             </p:nvSpPr>
@@ -6102,7 +5465,6 @@
               </a:bodyPr>
               <a:lstStyle/>
               <a:p>
-                <a:pPr/>
                 <a14:m>
                   <m:oMathPara xmlns:m="http://schemas.openxmlformats.org/officeDocument/2006/math">
                     <m:oMathParaPr>
@@ -6142,16 +5504,10 @@
             </p:txBody>
           </p:sp>
         </mc:Choice>
-        <mc:Fallback xmlns="">
+        <mc:Fallback>
           <p:sp>
             <p:nvSpPr>
-              <p:cNvPr id="11" name="TextBox 10">
-                <a:extLst>
-                  <a:ext uri="{FF2B5EF4-FFF2-40B4-BE49-F238E27FC236}">
-                    <a16:creationId xmlns:a16="http://schemas.microsoft.com/office/drawing/2014/main" id="{9D1EB25A-B3F0-224D-8EA4-19B9C88AC6BD}"/>
-                  </a:ext>
-                </a:extLst>
-              </p:cNvPr>
+              <p:cNvPr id="11" name="TextBox 10"/>
               <p:cNvSpPr txBox="1">
                 <a:spLocks noRot="1" noChangeAspect="1" noMove="1" noResize="1" noEditPoints="1" noAdjustHandles="1" noChangeArrowheads="1" noChangeShapeType="1" noTextEdit="1"/>
               </p:cNvSpPr>
@@ -6165,10 +5521,10 @@
               <a:prstGeom prst="rect">
                 <a:avLst/>
               </a:prstGeom>
-              <a:blipFill>
-                <a:blip r:embed="rId5"/>
+              <a:blipFill rotWithShape="1">
+                <a:blip r:embed="rId4"/>
                 <a:stretch>
-                  <a:fillRect l="-8696" r="-4348" b="-8696"/>
+                  <a:fillRect l="-146" t="-142" r="-7029" b="-15855"/>
                 </a:stretch>
               </a:blipFill>
             </p:spPr>
@@ -6177,10 +5533,10 @@
               <a:lstStyle/>
               <a:p>
                 <a:r>
-                  <a:rPr lang="en-US">
+                  <a:rPr lang="zh-CN" altLang="en-US">
                     <a:noFill/>
                   </a:rPr>
-                  <a:t> </a:t>
+                  <a:t> </a:t>
                 </a:r>
               </a:p>
             </p:txBody>
@@ -6189,20 +5545,14 @@
       </mc:AlternateContent>
       <p:pic>
         <p:nvPicPr>
-          <p:cNvPr id="13" name="Picture 12">
-            <a:extLst>
-              <a:ext uri="{FF2B5EF4-FFF2-40B4-BE49-F238E27FC236}">
-                <a16:creationId xmlns:a16="http://schemas.microsoft.com/office/drawing/2014/main" id="{D5646AD7-F74E-B44D-B777-5A5D942981D8}"/>
-              </a:ext>
-            </a:extLst>
-          </p:cNvPr>
+          <p:cNvPr id="13" name="Picture 12"/>
           <p:cNvPicPr>
             <a:picLocks noChangeAspect="1"/>
           </p:cNvPicPr>
           <p:nvPr/>
         </p:nvPicPr>
         <p:blipFill>
-          <a:blip r:embed="rId6"/>
+          <a:blip r:embed="rId5"/>
           <a:stretch>
             <a:fillRect/>
           </a:stretch>
@@ -6217,17 +5567,11 @@
           </a:prstGeom>
         </p:spPr>
       </p:pic>
-      <mc:AlternateContent xmlns:mc="http://schemas.openxmlformats.org/markup-compatibility/2006" xmlns:a14="http://schemas.microsoft.com/office/drawing/2010/main">
-        <mc:Choice Requires="a14">
+      <mc:AlternateContent xmlns:mc="http://schemas.openxmlformats.org/markup-compatibility/2006">
+        <mc:Choice xmlns:a14="http://schemas.microsoft.com/office/drawing/2010/main" Requires="a14">
           <p:sp>
             <p:nvSpPr>
-              <p:cNvPr id="12" name="TextBox 11">
-                <a:extLst>
-                  <a:ext uri="{FF2B5EF4-FFF2-40B4-BE49-F238E27FC236}">
-                    <a16:creationId xmlns:a16="http://schemas.microsoft.com/office/drawing/2014/main" id="{C2DF14BA-65EA-CF4D-848C-629108BDFF07}"/>
-                  </a:ext>
-                </a:extLst>
-              </p:cNvPr>
+              <p:cNvPr id="12" name="TextBox 11"/>
               <p:cNvSpPr txBox="1"/>
               <p:nvPr/>
             </p:nvSpPr>
@@ -6247,7 +5591,6 @@
               </a:bodyPr>
               <a:lstStyle/>
               <a:p>
-                <a:pPr/>
                 <a14:m>
                   <m:oMathPara xmlns:m="http://schemas.openxmlformats.org/officeDocument/2006/math">
                     <m:oMathParaPr>
@@ -6287,16 +5630,10 @@
             </p:txBody>
           </p:sp>
         </mc:Choice>
-        <mc:Fallback xmlns="">
+        <mc:Fallback>
           <p:sp>
             <p:nvSpPr>
-              <p:cNvPr id="12" name="TextBox 11">
-                <a:extLst>
-                  <a:ext uri="{FF2B5EF4-FFF2-40B4-BE49-F238E27FC236}">
-                    <a16:creationId xmlns:a16="http://schemas.microsoft.com/office/drawing/2014/main" id="{C2DF14BA-65EA-CF4D-848C-629108BDFF07}"/>
-                  </a:ext>
-                </a:extLst>
-              </p:cNvPr>
+              <p:cNvPr id="12" name="TextBox 11"/>
               <p:cNvSpPr txBox="1">
                 <a:spLocks noRot="1" noChangeAspect="1" noMove="1" noResize="1" noEditPoints="1" noAdjustHandles="1" noChangeArrowheads="1" noChangeShapeType="1" noTextEdit="1"/>
               </p:cNvSpPr>
@@ -6310,10 +5647,10 @@
               <a:prstGeom prst="rect">
                 <a:avLst/>
               </a:prstGeom>
-              <a:blipFill>
-                <a:blip r:embed="rId7"/>
+              <a:blipFill rotWithShape="1">
+                <a:blip r:embed="rId6"/>
                 <a:stretch>
-                  <a:fillRect l="-8333" b="-13043"/>
+                  <a:fillRect l="-112" t="-54" r="-5938" b="-15943"/>
                 </a:stretch>
               </a:blipFill>
             </p:spPr>
@@ -6322,10 +5659,10 @@
               <a:lstStyle/>
               <a:p>
                 <a:r>
-                  <a:rPr lang="en-US">
+                  <a:rPr lang="zh-CN" altLang="en-US">
                     <a:noFill/>
                   </a:rPr>
-                  <a:t> </a:t>
+                  <a:t> </a:t>
                 </a:r>
               </a:p>
             </p:txBody>
@@ -6333,11 +5670,6 @@
         </mc:Fallback>
       </mc:AlternateContent>
     </p:spTree>
-    <p:extLst>
-      <p:ext uri="{BB962C8B-B14F-4D97-AF65-F5344CB8AC3E}">
-        <p14:creationId xmlns:p14="http://schemas.microsoft.com/office/powerpoint/2010/main" val="1442134500"/>
-      </p:ext>
-    </p:extLst>
   </p:cSld>
   <p:clrMapOvr>
     <a:masterClrMapping/>
@@ -6366,13 +5698,7 @@
         <mc:Choice xmlns:a14="http://schemas.microsoft.com/office/drawing/2010/main" Requires="a14">
           <p:sp>
             <p:nvSpPr>
-              <p:cNvPr id="5" name="TextBox 4">
-                <a:extLst>
-                  <a:ext uri="{FF2B5EF4-FFF2-40B4-BE49-F238E27FC236}">
-                    <a16:creationId xmlns:a16="http://schemas.microsoft.com/office/drawing/2014/main" id="{453BE377-097B-9342-8CE3-9F577EF146D1}"/>
-                  </a:ext>
-                </a:extLst>
-              </p:cNvPr>
+              <p:cNvPr id="5" name="TextBox 4"/>
               <p:cNvSpPr txBox="1"/>
               <p:nvPr/>
             </p:nvSpPr>
@@ -6392,7 +5718,6 @@
               </a:bodyPr>
               <a:lstStyle/>
               <a:p>
-                <a:pPr/>
                 <a14:m>
                   <m:oMathPara xmlns:m="http://schemas.openxmlformats.org/officeDocument/2006/math">
                     <m:oMathParaPr>
@@ -6455,16 +5780,7 @@
                                 <a:rPr lang="en-US" sz="4400" b="0" i="0" smtClean="0">
                                   <a:latin typeface="Cambria Math" panose="02040503050406030204" pitchFamily="18" charset="0"/>
                                 </a:rPr>
-                                <m:t>arg</m:t>
-                              </m:r>
-                              <m:r>
-                                <m:rPr>
-                                  <m:sty m:val="p"/>
-                                </m:rPr>
-                                <a:rPr lang="en-US" sz="4400" b="0" i="0" smtClean="0">
-                                  <a:latin typeface="Cambria Math" panose="02040503050406030204" pitchFamily="18" charset="0"/>
-                                </a:rPr>
-                                <m:t>min</m:t>
+                                <m:t>argmin</m:t>
                               </m:r>
                             </m:e>
                             <m:lim>
@@ -6576,13 +5892,7 @@
         <mc:Fallback>
           <p:sp>
             <p:nvSpPr>
-              <p:cNvPr id="5" name="TextBox 4">
-                <a:extLst>
-                  <a:ext uri="{FF2B5EF4-FFF2-40B4-BE49-F238E27FC236}">
-                    <a16:creationId xmlns:a16="http://schemas.microsoft.com/office/drawing/2014/main" id="{453BE377-097B-9342-8CE3-9F577EF146D1}"/>
-                  </a:ext>
-                </a:extLst>
-              </p:cNvPr>
+              <p:cNvPr id="5" name="TextBox 4"/>
               <p:cNvSpPr txBox="1">
                 <a:spLocks noRot="1" noChangeAspect="1" noMove="1" noResize="1" noEditPoints="1" noAdjustHandles="1" noChangeArrowheads="1" noChangeShapeType="1" noTextEdit="1"/>
               </p:cNvSpPr>
@@ -6596,10 +5906,10 @@
               <a:prstGeom prst="rect">
                 <a:avLst/>
               </a:prstGeom>
-              <a:blipFill>
-                <a:blip r:embed="rId2"/>
+              <a:blipFill rotWithShape="1">
+                <a:blip r:embed="rId1"/>
                 <a:stretch>
-                  <a:fillRect b="-12500"/>
+                  <a:fillRect l="-5" t="-5" r="5" b="27"/>
                 </a:stretch>
               </a:blipFill>
             </p:spPr>
@@ -6608,10 +5918,10 @@
               <a:lstStyle/>
               <a:p>
                 <a:r>
-                  <a:rPr lang="en-US">
+                  <a:rPr lang="zh-CN" altLang="en-US">
                     <a:noFill/>
                   </a:rPr>
-                  <a:t> </a:t>
+                  <a:t> </a:t>
                 </a:r>
               </a:p>
             </p:txBody>
@@ -6622,13 +5932,7 @@
         <mc:Choice xmlns:a14="http://schemas.microsoft.com/office/drawing/2010/main" Requires="a14">
           <p:sp>
             <p:nvSpPr>
-              <p:cNvPr id="3" name="TextBox 2">
-                <a:extLst>
-                  <a:ext uri="{FF2B5EF4-FFF2-40B4-BE49-F238E27FC236}">
-                    <a16:creationId xmlns:a16="http://schemas.microsoft.com/office/drawing/2014/main" id="{2F743E6A-D9D9-0C48-B93F-AACFF3800A77}"/>
-                  </a:ext>
-                </a:extLst>
-              </p:cNvPr>
+              <p:cNvPr id="3" name="TextBox 2"/>
               <p:cNvSpPr txBox="1"/>
               <p:nvPr/>
             </p:nvSpPr>
@@ -6648,7 +5952,6 @@
               </a:bodyPr>
               <a:lstStyle/>
               <a:p>
-                <a:pPr/>
                 <a14:m>
                   <m:oMathPara xmlns:m="http://schemas.openxmlformats.org/officeDocument/2006/math">
                     <m:oMathParaPr>
@@ -6712,16 +6015,7 @@
                                 <a:rPr lang="en-US" sz="4400" b="0" i="0" smtClean="0">
                                   <a:latin typeface="Cambria Math" panose="02040503050406030204" pitchFamily="18" charset="0"/>
                                 </a:rPr>
-                                <m:t>arg</m:t>
-                              </m:r>
-                              <m:r>
-                                <m:rPr>
-                                  <m:sty m:val="p"/>
-                                </m:rPr>
-                                <a:rPr lang="en-US" sz="4400" b="0" i="0" smtClean="0">
-                                  <a:latin typeface="Cambria Math" panose="02040503050406030204" pitchFamily="18" charset="0"/>
-                                </a:rPr>
-                                <m:t>min</m:t>
+                                <m:t>argmin</m:t>
                               </m:r>
                             </m:e>
                             <m:lim>
@@ -6783,7 +6077,13 @@
                                 <a:rPr lang="en-US" sz="4400" i="1">
                                   <a:latin typeface="Cambria Math" panose="02040503050406030204" pitchFamily="18" charset="0"/>
                                 </a:rPr>
-                                <m:t>=1</m:t>
+                                <m:t>=</m:t>
+                              </m:r>
+                              <m:r>
+                                <a:rPr lang="en-US" sz="4400" i="1">
+                                  <a:latin typeface="Cambria Math" panose="02040503050406030204" pitchFamily="18" charset="0"/>
+                                </a:rPr>
+                                <m:t>1</m:t>
                               </m:r>
                             </m:sub>
                             <m:sup>
@@ -6858,13 +6158,7 @@
         <mc:Fallback>
           <p:sp>
             <p:nvSpPr>
-              <p:cNvPr id="3" name="TextBox 2">
-                <a:extLst>
-                  <a:ext uri="{FF2B5EF4-FFF2-40B4-BE49-F238E27FC236}">
-                    <a16:creationId xmlns:a16="http://schemas.microsoft.com/office/drawing/2014/main" id="{2F743E6A-D9D9-0C48-B93F-AACFF3800A77}"/>
-                  </a:ext>
-                </a:extLst>
-              </p:cNvPr>
+              <p:cNvPr id="3" name="TextBox 2"/>
               <p:cNvSpPr txBox="1">
                 <a:spLocks noRot="1" noChangeAspect="1" noMove="1" noResize="1" noEditPoints="1" noAdjustHandles="1" noChangeArrowheads="1" noChangeShapeType="1" noTextEdit="1"/>
               </p:cNvSpPr>
@@ -6878,10 +6172,10 @@
               <a:prstGeom prst="rect">
                 <a:avLst/>
               </a:prstGeom>
-              <a:blipFill>
-                <a:blip r:embed="rId3"/>
+              <a:blipFill rotWithShape="1">
+                <a:blip r:embed="rId2"/>
                 <a:stretch>
-                  <a:fillRect t="-113907" b="-175497"/>
+                  <a:fillRect l="-1" t="-32" r="3" b="5"/>
                 </a:stretch>
               </a:blipFill>
             </p:spPr>
@@ -6890,10 +6184,10 @@
               <a:lstStyle/>
               <a:p>
                 <a:r>
-                  <a:rPr lang="en-US">
+                  <a:rPr lang="zh-CN" altLang="en-US">
                     <a:noFill/>
                   </a:rPr>
-                  <a:t> </a:t>
+                  <a:t> </a:t>
                 </a:r>
               </a:p>
             </p:txBody>
@@ -6901,11 +6195,6 @@
         </mc:Fallback>
       </mc:AlternateContent>
     </p:spTree>
-    <p:extLst>
-      <p:ext uri="{BB962C8B-B14F-4D97-AF65-F5344CB8AC3E}">
-        <p14:creationId xmlns:p14="http://schemas.microsoft.com/office/powerpoint/2010/main" val="593219027"/>
-      </p:ext>
-    </p:extLst>
   </p:cSld>
   <p:clrMapOvr>
     <a:masterClrMapping/>
@@ -6956,7 +6245,7 @@
     </a:clrScheme>
     <a:fontScheme name="Office">
       <a:majorFont>
-        <a:latin typeface="Calibri Light" panose="020F0302020204030204"/>
+        <a:latin typeface="Calibri Light"/>
         <a:ea typeface=""/>
         <a:cs typeface=""/>
         <a:font script="Jpan" typeface="游ゴシック Light"/>
@@ -6989,26 +6278,9 @@
         <a:font script="Viet" typeface="Times New Roman"/>
         <a:font script="Uigh" typeface="Microsoft Uighur"/>
         <a:font script="Geor" typeface="Sylfaen"/>
-        <a:font script="Armn" typeface="Arial"/>
-        <a:font script="Bugi" typeface="Leelawadee UI"/>
-        <a:font script="Bopo" typeface="Microsoft JhengHei"/>
-        <a:font script="Java" typeface="Javanese Text"/>
-        <a:font script="Lisu" typeface="Segoe UI"/>
-        <a:font script="Mymr" typeface="Myanmar Text"/>
-        <a:font script="Nkoo" typeface="Ebrima"/>
-        <a:font script="Olck" typeface="Nirmala UI"/>
-        <a:font script="Osma" typeface="Ebrima"/>
-        <a:font script="Phag" typeface="Phagspa"/>
-        <a:font script="Syrn" typeface="Estrangelo Edessa"/>
-        <a:font script="Syrj" typeface="Estrangelo Edessa"/>
-        <a:font script="Syre" typeface="Estrangelo Edessa"/>
-        <a:font script="Sora" typeface="Nirmala UI"/>
-        <a:font script="Tale" typeface="Microsoft Tai Le"/>
-        <a:font script="Talu" typeface="Microsoft New Tai Lue"/>
-        <a:font script="Tfng" typeface="Ebrima"/>
       </a:majorFont>
       <a:minorFont>
-        <a:latin typeface="Calibri" panose="020F0502020204030204"/>
+        <a:latin typeface="Calibri"/>
         <a:ea typeface=""/>
         <a:cs typeface=""/>
         <a:font script="Jpan" typeface="游ゴシック"/>
@@ -7041,23 +6313,6 @@
         <a:font script="Viet" typeface="Arial"/>
         <a:font script="Uigh" typeface="Microsoft Uighur"/>
         <a:font script="Geor" typeface="Sylfaen"/>
-        <a:font script="Armn" typeface="Arial"/>
-        <a:font script="Bugi" typeface="Leelawadee UI"/>
-        <a:font script="Bopo" typeface="Microsoft JhengHei"/>
-        <a:font script="Java" typeface="Javanese Text"/>
-        <a:font script="Lisu" typeface="Segoe UI"/>
-        <a:font script="Mymr" typeface="Myanmar Text"/>
-        <a:font script="Nkoo" typeface="Ebrima"/>
-        <a:font script="Olck" typeface="Nirmala UI"/>
-        <a:font script="Osma" typeface="Ebrima"/>
-        <a:font script="Phag" typeface="Phagspa"/>
-        <a:font script="Syrn" typeface="Estrangelo Edessa"/>
-        <a:font script="Syrj" typeface="Estrangelo Edessa"/>
-        <a:font script="Syre" typeface="Estrangelo Edessa"/>
-        <a:font script="Sora" typeface="Nirmala UI"/>
-        <a:font script="Tale" typeface="Microsoft Tai Le"/>
-        <a:font script="Talu" typeface="Microsoft New Tai Lue"/>
-        <a:font script="Tfng" typeface="Ebrima"/>
       </a:minorFont>
     </a:fontScheme>
     <a:fmtScheme name="Office">
@@ -7198,8 +6453,6 @@
       </a:bgFillStyleLst>
     </a:fmtScheme>
   </a:themeElements>
-  <a:objectDefaults/>
-  <a:extraClrSchemeLst/>
   <a:extLst>
     <a:ext uri="{05A4C25C-085E-4340-85A3-A5531E510DB2}">
       <thm15:themeFamily xmlns:thm15="http://schemas.microsoft.com/office/thememl/2012/main" name="Office Theme" id="{62F939B6-93AF-4DB8-9C6B-D6C7DFDC589F}" vid="{4A3C46E8-61CC-4603-A589-7422A47A8E4A}"/>
